--- a/Entertainment_Buster.pptx
+++ b/Entertainment_Buster.pptx
@@ -1,30 +1,31 @@
 
 <file path=ppt/presentation.xml><?xml version="1.0" encoding="utf-8"?>
-<p:presentation xmlns:a="http://schemas.openxmlformats.org/drawingml/2006/main" xmlns:r="http://schemas.openxmlformats.org/officeDocument/2006/relationships" xmlns:mc="http://schemas.openxmlformats.org/markup-compatibility/2006" xmlns:mv="urn:schemas-microsoft-com:mac:vml" xmlns:p="http://schemas.openxmlformats.org/presentationml/2006/main" xmlns:c="http://schemas.openxmlformats.org/drawingml/2006/chart" xmlns:dgm="http://schemas.openxmlformats.org/drawingml/2006/diagram" xmlns:o="urn:schemas-microsoft-com:office:office" xmlns:v="urn:schemas-microsoft-com:vml" xmlns:pvml="urn:schemas-microsoft-com:office:powerpoint" xmlns:com="http://schemas.openxmlformats.org/drawingml/2006/compatibility" xmlns:p14="http://schemas.microsoft.com/office/powerpoint/2010/main" xmlns:p15="http://schemas.microsoft.com/office/powerpoint/2012/main" xmlns:ahyp="http://schemas.microsoft.com/office/drawing/2018/hyperlinkcolor" autoCompressPictures="0" embedTrueTypeFonts="1" strictFirstAndLastChars="0" saveSubsetFonts="1">
+<p:presentation xmlns:a="http://schemas.openxmlformats.org/drawingml/2006/main" xmlns:r="http://schemas.openxmlformats.org/officeDocument/2006/relationships" xmlns:p="http://schemas.openxmlformats.org/presentationml/2006/main" strictFirstAndLastChars="0" embedTrueTypeFonts="1" saveSubsetFonts="1" autoCompressPictures="0">
   <p:sldMasterIdLst>
-    <p:sldMasterId id="2147483659" r:id="rId4"/>
+    <p:sldMasterId id="2147483659" r:id="rId1"/>
   </p:sldMasterIdLst>
   <p:notesMasterIdLst>
-    <p:notesMasterId r:id="rId5"/>
+    <p:notesMasterId r:id="rId8"/>
   </p:notesMasterIdLst>
   <p:sldIdLst>
-    <p:sldId id="256" r:id="rId6"/>
-    <p:sldId id="257" r:id="rId7"/>
-    <p:sldId id="258" r:id="rId8"/>
-    <p:sldId id="259" r:id="rId9"/>
-    <p:sldId id="260" r:id="rId10"/>
+    <p:sldId id="256" r:id="rId2"/>
+    <p:sldId id="257" r:id="rId3"/>
+    <p:sldId id="258" r:id="rId4"/>
+    <p:sldId id="261" r:id="rId5"/>
+    <p:sldId id="259" r:id="rId6"/>
+    <p:sldId id="260" r:id="rId7"/>
   </p:sldIdLst>
-  <p:sldSz cy="5143500" cx="9144000"/>
+  <p:sldSz cx="9144000" cy="5143500" type="screen16x9"/>
   <p:notesSz cx="6858000" cy="9144000"/>
   <p:embeddedFontLst>
     <p:embeddedFont>
-      <p:font typeface="Caveat"/>
-      <p:regular r:id="rId11"/>
-      <p:bold r:id="rId12"/>
+      <p:font typeface="Caveat" panose="020B0604020202020204" charset="0"/>
+      <p:regular r:id="rId9"/>
+      <p:bold r:id="rId10"/>
     </p:embeddedFont>
   </p:embeddedFontLst>
   <p:defaultTextStyle>
-    <a:defPPr lvl="0" marR="0" rtl="0" algn="l">
+    <a:defPPr marR="0" lvl="0" algn="l" rtl="0">
       <a:lnSpc>
         <a:spcPct val="100000"/>
       </a:lnSpc>
@@ -35,7 +36,7 @@
         <a:spcPts val="0"/>
       </a:spcAft>
     </a:defPPr>
-    <a:lvl1pPr lvl="0" marR="0" rtl="0" algn="l">
+    <a:lvl1pPr marR="0" lvl="0" algn="l" rtl="0">
       <a:lnSpc>
         <a:spcPct val="100000"/>
       </a:lnSpc>
@@ -49,7 +50,7 @@
         <a:srgbClr val="000000"/>
       </a:buClr>
       <a:buFont typeface="Arial"/>
-      <a:defRPr b="0" i="0" sz="1400" u="none" cap="none" strike="noStrike">
+      <a:defRPr sz="1400" b="0" i="0" u="none" strike="noStrike" cap="none">
         <a:solidFill>
           <a:srgbClr val="000000"/>
         </a:solidFill>
@@ -59,7 +60,7 @@
         <a:sym typeface="Arial"/>
       </a:defRPr>
     </a:lvl1pPr>
-    <a:lvl2pPr lvl="1" marR="0" rtl="0" algn="l">
+    <a:lvl2pPr marR="0" lvl="1" algn="l" rtl="0">
       <a:lnSpc>
         <a:spcPct val="100000"/>
       </a:lnSpc>
@@ -73,7 +74,7 @@
         <a:srgbClr val="000000"/>
       </a:buClr>
       <a:buFont typeface="Arial"/>
-      <a:defRPr b="0" i="0" sz="1400" u="none" cap="none" strike="noStrike">
+      <a:defRPr sz="1400" b="0" i="0" u="none" strike="noStrike" cap="none">
         <a:solidFill>
           <a:srgbClr val="000000"/>
         </a:solidFill>
@@ -83,7 +84,7 @@
         <a:sym typeface="Arial"/>
       </a:defRPr>
     </a:lvl2pPr>
-    <a:lvl3pPr lvl="2" marR="0" rtl="0" algn="l">
+    <a:lvl3pPr marR="0" lvl="2" algn="l" rtl="0">
       <a:lnSpc>
         <a:spcPct val="100000"/>
       </a:lnSpc>
@@ -97,7 +98,7 @@
         <a:srgbClr val="000000"/>
       </a:buClr>
       <a:buFont typeface="Arial"/>
-      <a:defRPr b="0" i="0" sz="1400" u="none" cap="none" strike="noStrike">
+      <a:defRPr sz="1400" b="0" i="0" u="none" strike="noStrike" cap="none">
         <a:solidFill>
           <a:srgbClr val="000000"/>
         </a:solidFill>
@@ -107,7 +108,7 @@
         <a:sym typeface="Arial"/>
       </a:defRPr>
     </a:lvl3pPr>
-    <a:lvl4pPr lvl="3" marR="0" rtl="0" algn="l">
+    <a:lvl4pPr marR="0" lvl="3" algn="l" rtl="0">
       <a:lnSpc>
         <a:spcPct val="100000"/>
       </a:lnSpc>
@@ -121,7 +122,7 @@
         <a:srgbClr val="000000"/>
       </a:buClr>
       <a:buFont typeface="Arial"/>
-      <a:defRPr b="0" i="0" sz="1400" u="none" cap="none" strike="noStrike">
+      <a:defRPr sz="1400" b="0" i="0" u="none" strike="noStrike" cap="none">
         <a:solidFill>
           <a:srgbClr val="000000"/>
         </a:solidFill>
@@ -131,7 +132,7 @@
         <a:sym typeface="Arial"/>
       </a:defRPr>
     </a:lvl4pPr>
-    <a:lvl5pPr lvl="4" marR="0" rtl="0" algn="l">
+    <a:lvl5pPr marR="0" lvl="4" algn="l" rtl="0">
       <a:lnSpc>
         <a:spcPct val="100000"/>
       </a:lnSpc>
@@ -145,7 +146,7 @@
         <a:srgbClr val="000000"/>
       </a:buClr>
       <a:buFont typeface="Arial"/>
-      <a:defRPr b="0" i="0" sz="1400" u="none" cap="none" strike="noStrike">
+      <a:defRPr sz="1400" b="0" i="0" u="none" strike="noStrike" cap="none">
         <a:solidFill>
           <a:srgbClr val="000000"/>
         </a:solidFill>
@@ -155,7 +156,7 @@
         <a:sym typeface="Arial"/>
       </a:defRPr>
     </a:lvl5pPr>
-    <a:lvl6pPr lvl="5" marR="0" rtl="0" algn="l">
+    <a:lvl6pPr marR="0" lvl="5" algn="l" rtl="0">
       <a:lnSpc>
         <a:spcPct val="100000"/>
       </a:lnSpc>
@@ -169,7 +170,7 @@
         <a:srgbClr val="000000"/>
       </a:buClr>
       <a:buFont typeface="Arial"/>
-      <a:defRPr b="0" i="0" sz="1400" u="none" cap="none" strike="noStrike">
+      <a:defRPr sz="1400" b="0" i="0" u="none" strike="noStrike" cap="none">
         <a:solidFill>
           <a:srgbClr val="000000"/>
         </a:solidFill>
@@ -179,7 +180,7 @@
         <a:sym typeface="Arial"/>
       </a:defRPr>
     </a:lvl6pPr>
-    <a:lvl7pPr lvl="6" marR="0" rtl="0" algn="l">
+    <a:lvl7pPr marR="0" lvl="6" algn="l" rtl="0">
       <a:lnSpc>
         <a:spcPct val="100000"/>
       </a:lnSpc>
@@ -193,7 +194,7 @@
         <a:srgbClr val="000000"/>
       </a:buClr>
       <a:buFont typeface="Arial"/>
-      <a:defRPr b="0" i="0" sz="1400" u="none" cap="none" strike="noStrike">
+      <a:defRPr sz="1400" b="0" i="0" u="none" strike="noStrike" cap="none">
         <a:solidFill>
           <a:srgbClr val="000000"/>
         </a:solidFill>
@@ -203,7 +204,7 @@
         <a:sym typeface="Arial"/>
       </a:defRPr>
     </a:lvl7pPr>
-    <a:lvl8pPr lvl="7" marR="0" rtl="0" algn="l">
+    <a:lvl8pPr marR="0" lvl="7" algn="l" rtl="0">
       <a:lnSpc>
         <a:spcPct val="100000"/>
       </a:lnSpc>
@@ -217,7 +218,7 @@
         <a:srgbClr val="000000"/>
       </a:buClr>
       <a:buFont typeface="Arial"/>
-      <a:defRPr b="0" i="0" sz="1400" u="none" cap="none" strike="noStrike">
+      <a:defRPr sz="1400" b="0" i="0" u="none" strike="noStrike" cap="none">
         <a:solidFill>
           <a:srgbClr val="000000"/>
         </a:solidFill>
@@ -227,7 +228,7 @@
         <a:sym typeface="Arial"/>
       </a:defRPr>
     </a:lvl8pPr>
-    <a:lvl9pPr lvl="8" marR="0" rtl="0" algn="l">
+    <a:lvl9pPr marR="0" lvl="8" algn="l" rtl="0">
       <a:lnSpc>
         <a:spcPct val="100000"/>
       </a:lnSpc>
@@ -241,7 +242,7 @@
         <a:srgbClr val="000000"/>
       </a:buClr>
       <a:buFont typeface="Arial"/>
-      <a:defRPr b="0" i="0" sz="1400" u="none" cap="none" strike="noStrike">
+      <a:defRPr sz="1400" b="0" i="0" u="none" strike="noStrike" cap="none">
         <a:solidFill>
           <a:srgbClr val="000000"/>
         </a:solidFill>
@@ -254,7 +255,7 @@
   </p:defaultTextStyle>
   <p:extLst>
     <p:ext uri="{EFAFB233-063F-42B5-8137-9DF3F51BA10A}">
-      <p15:sldGuideLst>
+      <p15:sldGuideLst xmlns:p15="http://schemas.microsoft.com/office/powerpoint/2012/main">
         <p15:guide id="1" orient="horz" pos="1620">
           <p15:clr>
             <a:srgbClr val="A4A3A4"/>
@@ -271,12 +272,92 @@
 </p:presentation>
 </file>
 
+<file path=ppt/changesInfos/changesInfo1.xml><?xml version="1.0" encoding="utf-8"?>
+<pc:chgInfo xmlns:a="http://schemas.openxmlformats.org/drawingml/2006/main" xmlns:r="http://schemas.openxmlformats.org/officeDocument/2006/relationships" xmlns:ac="http://schemas.microsoft.com/office/drawing/2013/main/command" xmlns:pc="http://schemas.microsoft.com/office/powerpoint/2013/main/command">
+  <pc:docChgLst>
+    <pc:chgData name="Stacy Chandisingh" userId="a72612ec63c1bf34" providerId="LiveId" clId="{C249A174-39D9-4DCE-961B-7C97E4997380}"/>
+    <pc:docChg chg="custSel addSld modSld">
+      <pc:chgData name="Stacy Chandisingh" userId="a72612ec63c1bf34" providerId="LiveId" clId="{C249A174-39D9-4DCE-961B-7C97E4997380}" dt="2021-03-05T02:24:10.690" v="37" actId="20577"/>
+      <pc:docMkLst>
+        <pc:docMk/>
+      </pc:docMkLst>
+      <pc:sldChg chg="modSp mod">
+        <pc:chgData name="Stacy Chandisingh" userId="a72612ec63c1bf34" providerId="LiveId" clId="{C249A174-39D9-4DCE-961B-7C97E4997380}" dt="2021-03-05T02:23:11.735" v="33" actId="20577"/>
+        <pc:sldMkLst>
+          <pc:docMk/>
+          <pc:sldMk cId="0" sldId="256"/>
+        </pc:sldMkLst>
+        <pc:spChg chg="mod">
+          <ac:chgData name="Stacy Chandisingh" userId="a72612ec63c1bf34" providerId="LiveId" clId="{C249A174-39D9-4DCE-961B-7C97E4997380}" dt="2021-03-05T02:23:11.735" v="33" actId="20577"/>
+          <ac:spMkLst>
+            <pc:docMk/>
+            <pc:sldMk cId="0" sldId="256"/>
+            <ac:spMk id="54" creationId="{00000000-0000-0000-0000-000000000000}"/>
+          </ac:spMkLst>
+        </pc:spChg>
+      </pc:sldChg>
+      <pc:sldChg chg="modSp mod">
+        <pc:chgData name="Stacy Chandisingh" userId="a72612ec63c1bf34" providerId="LiveId" clId="{C249A174-39D9-4DCE-961B-7C97E4997380}" dt="2021-03-05T02:24:10.690" v="37" actId="20577"/>
+        <pc:sldMkLst>
+          <pc:docMk/>
+          <pc:sldMk cId="0" sldId="259"/>
+        </pc:sldMkLst>
+        <pc:spChg chg="mod">
+          <ac:chgData name="Stacy Chandisingh" userId="a72612ec63c1bf34" providerId="LiveId" clId="{C249A174-39D9-4DCE-961B-7C97E4997380}" dt="2021-03-05T02:24:10.690" v="37" actId="20577"/>
+          <ac:spMkLst>
+            <pc:docMk/>
+            <pc:sldMk cId="0" sldId="259"/>
+            <ac:spMk id="73" creationId="{00000000-0000-0000-0000-000000000000}"/>
+          </ac:spMkLst>
+        </pc:spChg>
+      </pc:sldChg>
+      <pc:sldChg chg="addSp delSp modSp new mod">
+        <pc:chgData name="Stacy Chandisingh" userId="a72612ec63c1bf34" providerId="LiveId" clId="{C249A174-39D9-4DCE-961B-7C97E4997380}" dt="2021-03-05T02:23:44.475" v="35" actId="478"/>
+        <pc:sldMkLst>
+          <pc:docMk/>
+          <pc:sldMk cId="1877941445" sldId="261"/>
+        </pc:sldMkLst>
+        <pc:spChg chg="mod">
+          <ac:chgData name="Stacy Chandisingh" userId="a72612ec63c1bf34" providerId="LiveId" clId="{C249A174-39D9-4DCE-961B-7C97E4997380}" dt="2021-03-05T02:21:18.079" v="25" actId="14100"/>
+          <ac:spMkLst>
+            <pc:docMk/>
+            <pc:sldMk cId="1877941445" sldId="261"/>
+            <ac:spMk id="2" creationId="{60B179F0-783A-454F-B346-9F5ED5A9EFB7}"/>
+          </ac:spMkLst>
+        </pc:spChg>
+        <pc:spChg chg="del mod">
+          <ac:chgData name="Stacy Chandisingh" userId="a72612ec63c1bf34" providerId="LiveId" clId="{C249A174-39D9-4DCE-961B-7C97E4997380}" dt="2021-03-05T02:23:44.475" v="35" actId="478"/>
+          <ac:spMkLst>
+            <pc:docMk/>
+            <pc:sldMk cId="1877941445" sldId="261"/>
+            <ac:spMk id="3" creationId="{818DD56D-6D76-467C-ABB3-D9766A14E575}"/>
+          </ac:spMkLst>
+        </pc:spChg>
+        <pc:picChg chg="add mod">
+          <ac:chgData name="Stacy Chandisingh" userId="a72612ec63c1bf34" providerId="LiveId" clId="{C249A174-39D9-4DCE-961B-7C97E4997380}" dt="2021-03-05T02:21:44.303" v="32" actId="14100"/>
+          <ac:picMkLst>
+            <pc:docMk/>
+            <pc:sldMk cId="1877941445" sldId="261"/>
+            <ac:picMk id="5" creationId="{17958706-AD74-41C0-9845-6C7D2B4B35FC}"/>
+          </ac:picMkLst>
+        </pc:picChg>
+      </pc:sldChg>
+    </pc:docChg>
+  </pc:docChgLst>
+</pc:chgInfo>
+</file>
+
 <file path=ppt/notesMasters/notesMaster1.xml><?xml version="1.0" encoding="utf-8"?>
-<p:notesMaster xmlns:a="http://schemas.openxmlformats.org/drawingml/2006/main" xmlns:r="http://schemas.openxmlformats.org/officeDocument/2006/relationships" xmlns:mc="http://schemas.openxmlformats.org/markup-compatibility/2006" xmlns:mv="urn:schemas-microsoft-com:mac:vml" xmlns:p="http://schemas.openxmlformats.org/presentationml/2006/main" xmlns:c="http://schemas.openxmlformats.org/drawingml/2006/chart" xmlns:dgm="http://schemas.openxmlformats.org/drawingml/2006/diagram" xmlns:o="urn:schemas-microsoft-com:office:office" xmlns:v="urn:schemas-microsoft-com:vml" xmlns:pvml="urn:schemas-microsoft-com:office:powerpoint" xmlns:com="http://schemas.openxmlformats.org/drawingml/2006/compatibility" xmlns:p14="http://schemas.microsoft.com/office/powerpoint/2010/main" xmlns:p15="http://schemas.microsoft.com/office/powerpoint/2012/main" xmlns:ahyp="http://schemas.microsoft.com/office/drawing/2018/hyperlinkcolor">
+<p:notesMaster xmlns:a="http://schemas.openxmlformats.org/drawingml/2006/main" xmlns:r="http://schemas.openxmlformats.org/officeDocument/2006/relationships" xmlns:p="http://schemas.openxmlformats.org/presentationml/2006/main">
   <p:cSld>
+    <p:bg>
+      <p:bgRef idx="1001">
+        <a:schemeClr val="bg1"/>
+      </p:bgRef>
+    </p:bg>
     <p:spTree>
       <p:nvGrpSpPr>
-        <p:cNvPr id="2" name="Shape 2"/>
+        <p:cNvPr id="1" name="Shape 2"/>
         <p:cNvGrpSpPr/>
         <p:nvPr/>
       </p:nvGrpSpPr>
@@ -291,9 +372,11 @@
       <p:sp>
         <p:nvSpPr>
           <p:cNvPr id="3" name="Google Shape;3;n"/>
-          <p:cNvSpPr/>
+          <p:cNvSpPr>
+            <a:spLocks noGrp="1" noRot="1" noChangeAspect="1"/>
+          </p:cNvSpPr>
           <p:nvPr>
-            <p:ph idx="2" type="sldImg"/>
+            <p:ph type="sldImg" idx="2"/>
           </p:nvPr>
         </p:nvSpPr>
         <p:spPr>
@@ -302,9 +385,13 @@
             <a:ext cx="6096075" cy="3429000"/>
           </a:xfrm>
           <a:custGeom>
-            <a:rect b="b" l="l" r="r" t="t"/>
+            <a:avLst/>
+            <a:gdLst/>
+            <a:ahLst/>
+            <a:cxnLst/>
+            <a:rect l="l" t="t" r="r" b="b"/>
             <a:pathLst>
-              <a:path extrusionOk="0" h="120000" w="120000">
+              <a:path w="120000" h="120000" extrusionOk="0">
                 <a:moveTo>
                   <a:pt x="0" y="0"/>
                 </a:moveTo>
@@ -322,23 +409,25 @@
             </a:pathLst>
           </a:custGeom>
           <a:noFill/>
-          <a:ln cap="flat" cmpd="sng" w="9525">
+          <a:ln w="9525" cap="flat" cmpd="sng">
             <a:solidFill>
               <a:srgbClr val="000000"/>
             </a:solidFill>
             <a:prstDash val="solid"/>
             <a:round/>
-            <a:headEnd len="sm" w="sm" type="none"/>
-            <a:tailEnd len="sm" w="sm" type="none"/>
+            <a:headEnd type="none" w="sm" len="sm"/>
+            <a:tailEnd type="none" w="sm" len="sm"/>
           </a:ln>
         </p:spPr>
       </p:sp>
       <p:sp>
         <p:nvSpPr>
           <p:cNvPr id="4" name="Google Shape;4;n"/>
-          <p:cNvSpPr txBox="1"/>
+          <p:cNvSpPr txBox="1">
+            <a:spLocks noGrp="1"/>
+          </p:cNvSpPr>
           <p:nvPr>
-            <p:ph idx="1" type="body"/>
+            <p:ph type="body" idx="1"/>
           </p:nvPr>
         </p:nvSpPr>
         <p:spPr>
@@ -355,11 +444,11 @@
           </a:ln>
         </p:spPr>
         <p:txBody>
-          <a:bodyPr anchorCtr="0" anchor="t" bIns="91425" lIns="91425" spcFirstLastPara="1" rIns="91425" wrap="square" tIns="91425">
+          <a:bodyPr spcFirstLastPara="1" wrap="square" lIns="91425" tIns="91425" rIns="91425" bIns="91425" anchor="t" anchorCtr="0">
             <a:noAutofit/>
           </a:bodyPr>
           <a:lstStyle>
-            <a:lvl1pPr indent="-298450" lvl="0" marL="457200">
+            <a:lvl1pPr marL="457200" lvl="0" indent="-298450">
               <a:spcBef>
                 <a:spcPts val="0"/>
               </a:spcBef>
@@ -370,7 +459,7 @@
               <a:buChar char="●"/>
               <a:defRPr sz="1100"/>
             </a:lvl1pPr>
-            <a:lvl2pPr indent="-298450" lvl="1" marL="914400">
+            <a:lvl2pPr marL="914400" lvl="1" indent="-298450">
               <a:spcBef>
                 <a:spcPts val="0"/>
               </a:spcBef>
@@ -381,7 +470,7 @@
               <a:buChar char="○"/>
               <a:defRPr sz="1100"/>
             </a:lvl2pPr>
-            <a:lvl3pPr indent="-298450" lvl="2" marL="1371600">
+            <a:lvl3pPr marL="1371600" lvl="2" indent="-298450">
               <a:spcBef>
                 <a:spcPts val="0"/>
               </a:spcBef>
@@ -392,7 +481,7 @@
               <a:buChar char="■"/>
               <a:defRPr sz="1100"/>
             </a:lvl3pPr>
-            <a:lvl4pPr indent="-298450" lvl="3" marL="1828800">
+            <a:lvl4pPr marL="1828800" lvl="3" indent="-298450">
               <a:spcBef>
                 <a:spcPts val="0"/>
               </a:spcBef>
@@ -403,7 +492,7 @@
               <a:buChar char="●"/>
               <a:defRPr sz="1100"/>
             </a:lvl4pPr>
-            <a:lvl5pPr indent="-298450" lvl="4" marL="2286000">
+            <a:lvl5pPr marL="2286000" lvl="4" indent="-298450">
               <a:spcBef>
                 <a:spcPts val="0"/>
               </a:spcBef>
@@ -414,7 +503,7 @@
               <a:buChar char="○"/>
               <a:defRPr sz="1100"/>
             </a:lvl5pPr>
-            <a:lvl6pPr indent="-298450" lvl="5" marL="2743200">
+            <a:lvl6pPr marL="2743200" lvl="5" indent="-298450">
               <a:spcBef>
                 <a:spcPts val="0"/>
               </a:spcBef>
@@ -425,7 +514,7 @@
               <a:buChar char="■"/>
               <a:defRPr sz="1100"/>
             </a:lvl6pPr>
-            <a:lvl7pPr indent="-298450" lvl="6" marL="3200400">
+            <a:lvl7pPr marL="3200400" lvl="6" indent="-298450">
               <a:spcBef>
                 <a:spcPts val="0"/>
               </a:spcBef>
@@ -436,7 +525,7 @@
               <a:buChar char="●"/>
               <a:defRPr sz="1100"/>
             </a:lvl7pPr>
-            <a:lvl8pPr indent="-298450" lvl="7" marL="3657600">
+            <a:lvl8pPr marL="3657600" lvl="7" indent="-298450">
               <a:spcBef>
                 <a:spcPts val="0"/>
               </a:spcBef>
@@ -447,7 +536,7 @@
               <a:buChar char="○"/>
               <a:defRPr sz="1100"/>
             </a:lvl8pPr>
-            <a:lvl9pPr indent="-298450" lvl="8" marL="4114800">
+            <a:lvl9pPr marL="4114800" lvl="8" indent="-298450">
               <a:spcBef>
                 <a:spcPts val="0"/>
               </a:spcBef>
@@ -459,14 +548,16 @@
               <a:defRPr sz="1100"/>
             </a:lvl9pPr>
           </a:lstStyle>
-          <a:p/>
+          <a:p>
+            <a:endParaRPr/>
+          </a:p>
         </p:txBody>
       </p:sp>
     </p:spTree>
   </p:cSld>
-  <p:clrMap accent1="accent1" accent2="accent2" accent3="accent3" accent4="accent4" accent5="accent5" accent6="accent6" bg1="lt1" bg2="dk2" tx1="dk1" tx2="lt2" folHlink="folHlink" hlink="hlink"/>
+  <p:clrMap bg1="lt1" tx1="dk1" bg2="dk2" tx2="lt2" accent1="accent1" accent2="accent2" accent3="accent3" accent4="accent4" accent5="accent5" accent6="accent6" hlink="hlink" folHlink="folHlink"/>
   <p:notesStyle>
-    <a:defPPr lvl="0" marR="0" rtl="0" algn="l">
+    <a:defPPr marR="0" lvl="0" algn="l" rtl="0">
       <a:lnSpc>
         <a:spcPct val="100000"/>
       </a:lnSpc>
@@ -477,7 +568,7 @@
         <a:spcPts val="0"/>
       </a:spcAft>
     </a:defPPr>
-    <a:lvl1pPr lvl="0" marR="0" rtl="0" algn="l">
+    <a:lvl1pPr marR="0" lvl="0" algn="l" rtl="0">
       <a:lnSpc>
         <a:spcPct val="100000"/>
       </a:lnSpc>
@@ -491,7 +582,7 @@
         <a:srgbClr val="000000"/>
       </a:buClr>
       <a:buFont typeface="Arial"/>
-      <a:defRPr b="0" i="0" sz="1400" u="none" cap="none" strike="noStrike">
+      <a:defRPr sz="1400" b="0" i="0" u="none" strike="noStrike" cap="none">
         <a:solidFill>
           <a:srgbClr val="000000"/>
         </a:solidFill>
@@ -501,7 +592,7 @@
         <a:sym typeface="Arial"/>
       </a:defRPr>
     </a:lvl1pPr>
-    <a:lvl2pPr lvl="1" marR="0" rtl="0" algn="l">
+    <a:lvl2pPr marR="0" lvl="1" algn="l" rtl="0">
       <a:lnSpc>
         <a:spcPct val="100000"/>
       </a:lnSpc>
@@ -515,7 +606,7 @@
         <a:srgbClr val="000000"/>
       </a:buClr>
       <a:buFont typeface="Arial"/>
-      <a:defRPr b="0" i="0" sz="1400" u="none" cap="none" strike="noStrike">
+      <a:defRPr sz="1400" b="0" i="0" u="none" strike="noStrike" cap="none">
         <a:solidFill>
           <a:srgbClr val="000000"/>
         </a:solidFill>
@@ -525,7 +616,7 @@
         <a:sym typeface="Arial"/>
       </a:defRPr>
     </a:lvl2pPr>
-    <a:lvl3pPr lvl="2" marR="0" rtl="0" algn="l">
+    <a:lvl3pPr marR="0" lvl="2" algn="l" rtl="0">
       <a:lnSpc>
         <a:spcPct val="100000"/>
       </a:lnSpc>
@@ -539,7 +630,7 @@
         <a:srgbClr val="000000"/>
       </a:buClr>
       <a:buFont typeface="Arial"/>
-      <a:defRPr b="0" i="0" sz="1400" u="none" cap="none" strike="noStrike">
+      <a:defRPr sz="1400" b="0" i="0" u="none" strike="noStrike" cap="none">
         <a:solidFill>
           <a:srgbClr val="000000"/>
         </a:solidFill>
@@ -549,7 +640,7 @@
         <a:sym typeface="Arial"/>
       </a:defRPr>
     </a:lvl3pPr>
-    <a:lvl4pPr lvl="3" marR="0" rtl="0" algn="l">
+    <a:lvl4pPr marR="0" lvl="3" algn="l" rtl="0">
       <a:lnSpc>
         <a:spcPct val="100000"/>
       </a:lnSpc>
@@ -563,7 +654,7 @@
         <a:srgbClr val="000000"/>
       </a:buClr>
       <a:buFont typeface="Arial"/>
-      <a:defRPr b="0" i="0" sz="1400" u="none" cap="none" strike="noStrike">
+      <a:defRPr sz="1400" b="0" i="0" u="none" strike="noStrike" cap="none">
         <a:solidFill>
           <a:srgbClr val="000000"/>
         </a:solidFill>
@@ -573,7 +664,7 @@
         <a:sym typeface="Arial"/>
       </a:defRPr>
     </a:lvl4pPr>
-    <a:lvl5pPr lvl="4" marR="0" rtl="0" algn="l">
+    <a:lvl5pPr marR="0" lvl="4" algn="l" rtl="0">
       <a:lnSpc>
         <a:spcPct val="100000"/>
       </a:lnSpc>
@@ -587,7 +678,7 @@
         <a:srgbClr val="000000"/>
       </a:buClr>
       <a:buFont typeface="Arial"/>
-      <a:defRPr b="0" i="0" sz="1400" u="none" cap="none" strike="noStrike">
+      <a:defRPr sz="1400" b="0" i="0" u="none" strike="noStrike" cap="none">
         <a:solidFill>
           <a:srgbClr val="000000"/>
         </a:solidFill>
@@ -597,7 +688,7 @@
         <a:sym typeface="Arial"/>
       </a:defRPr>
     </a:lvl5pPr>
-    <a:lvl6pPr lvl="5" marR="0" rtl="0" algn="l">
+    <a:lvl6pPr marR="0" lvl="5" algn="l" rtl="0">
       <a:lnSpc>
         <a:spcPct val="100000"/>
       </a:lnSpc>
@@ -611,7 +702,7 @@
         <a:srgbClr val="000000"/>
       </a:buClr>
       <a:buFont typeface="Arial"/>
-      <a:defRPr b="0" i="0" sz="1400" u="none" cap="none" strike="noStrike">
+      <a:defRPr sz="1400" b="0" i="0" u="none" strike="noStrike" cap="none">
         <a:solidFill>
           <a:srgbClr val="000000"/>
         </a:solidFill>
@@ -621,7 +712,7 @@
         <a:sym typeface="Arial"/>
       </a:defRPr>
     </a:lvl6pPr>
-    <a:lvl7pPr lvl="6" marR="0" rtl="0" algn="l">
+    <a:lvl7pPr marR="0" lvl="6" algn="l" rtl="0">
       <a:lnSpc>
         <a:spcPct val="100000"/>
       </a:lnSpc>
@@ -635,7 +726,7 @@
         <a:srgbClr val="000000"/>
       </a:buClr>
       <a:buFont typeface="Arial"/>
-      <a:defRPr b="0" i="0" sz="1400" u="none" cap="none" strike="noStrike">
+      <a:defRPr sz="1400" b="0" i="0" u="none" strike="noStrike" cap="none">
         <a:solidFill>
           <a:srgbClr val="000000"/>
         </a:solidFill>
@@ -645,7 +736,7 @@
         <a:sym typeface="Arial"/>
       </a:defRPr>
     </a:lvl7pPr>
-    <a:lvl8pPr lvl="7" marR="0" rtl="0" algn="l">
+    <a:lvl8pPr marR="0" lvl="7" algn="l" rtl="0">
       <a:lnSpc>
         <a:spcPct val="100000"/>
       </a:lnSpc>
@@ -659,7 +750,7 @@
         <a:srgbClr val="000000"/>
       </a:buClr>
       <a:buFont typeface="Arial"/>
-      <a:defRPr b="0" i="0" sz="1400" u="none" cap="none" strike="noStrike">
+      <a:defRPr sz="1400" b="0" i="0" u="none" strike="noStrike" cap="none">
         <a:solidFill>
           <a:srgbClr val="000000"/>
         </a:solidFill>
@@ -669,7 +760,7 @@
         <a:sym typeface="Arial"/>
       </a:defRPr>
     </a:lvl8pPr>
-    <a:lvl9pPr lvl="8" marR="0" rtl="0" algn="l">
+    <a:lvl9pPr marR="0" lvl="8" algn="l" rtl="0">
       <a:lnSpc>
         <a:spcPct val="100000"/>
       </a:lnSpc>
@@ -683,7 +774,7 @@
         <a:srgbClr val="000000"/>
       </a:buClr>
       <a:buFont typeface="Arial"/>
-      <a:defRPr b="0" i="0" sz="1400" u="none" cap="none" strike="noStrike">
+      <a:defRPr sz="1400" b="0" i="0" u="none" strike="noStrike" cap="none">
         <a:solidFill>
           <a:srgbClr val="000000"/>
         </a:solidFill>
@@ -698,11 +789,11 @@
 </file>
 
 <file path=ppt/notesSlides/notesSlide1.xml><?xml version="1.0" encoding="utf-8"?>
-<p:notes xmlns:a="http://schemas.openxmlformats.org/drawingml/2006/main" xmlns:r="http://schemas.openxmlformats.org/officeDocument/2006/relationships" xmlns:mc="http://schemas.openxmlformats.org/markup-compatibility/2006" xmlns:mv="urn:schemas-microsoft-com:mac:vml" xmlns:p="http://schemas.openxmlformats.org/presentationml/2006/main" xmlns:c="http://schemas.openxmlformats.org/drawingml/2006/chart" xmlns:dgm="http://schemas.openxmlformats.org/drawingml/2006/diagram" xmlns:o="urn:schemas-microsoft-com:office:office" xmlns:v="urn:schemas-microsoft-com:vml" xmlns:pvml="urn:schemas-microsoft-com:office:powerpoint" xmlns:com="http://schemas.openxmlformats.org/drawingml/2006/compatibility" xmlns:p14="http://schemas.microsoft.com/office/powerpoint/2010/main" xmlns:p15="http://schemas.microsoft.com/office/powerpoint/2012/main" xmlns:ahyp="http://schemas.microsoft.com/office/drawing/2018/hyperlinkcolor" showMasterPhAnim="0" showMasterSp="0">
+<p:notes xmlns:a="http://schemas.openxmlformats.org/drawingml/2006/main" xmlns:r="http://schemas.openxmlformats.org/officeDocument/2006/relationships" xmlns:p="http://schemas.openxmlformats.org/presentationml/2006/main" showMasterSp="0" showMasterPhAnim="0">
   <p:cSld>
     <p:spTree>
       <p:nvGrpSpPr>
-        <p:cNvPr id="50" name="Shape 50"/>
+        <p:cNvPr id="1" name="Shape 50"/>
         <p:cNvGrpSpPr/>
         <p:nvPr/>
       </p:nvGrpSpPr>
@@ -717,20 +808,26 @@
       <p:sp>
         <p:nvSpPr>
           <p:cNvPr id="51" name="Google Shape;51;p:notes"/>
-          <p:cNvSpPr/>
+          <p:cNvSpPr>
+            <a:spLocks noGrp="1" noRot="1" noChangeAspect="1"/>
+          </p:cNvSpPr>
           <p:nvPr>
-            <p:ph idx="2" type="sldImg"/>
+            <p:ph type="sldImg" idx="2"/>
           </p:nvPr>
         </p:nvSpPr>
         <p:spPr>
           <a:xfrm>
-            <a:off x="381300" y="685800"/>
-            <a:ext cx="6096075" cy="3429000"/>
+            <a:off x="381000" y="685800"/>
+            <a:ext cx="6096000" cy="3429000"/>
           </a:xfrm>
           <a:custGeom>
-            <a:rect b="b" l="l" r="r" t="t"/>
+            <a:avLst/>
+            <a:gdLst/>
+            <a:ahLst/>
+            <a:cxnLst/>
+            <a:rect l="l" t="t" r="r" b="b"/>
             <a:pathLst>
-              <a:path extrusionOk="0" h="120000" w="120000">
+              <a:path w="120000" h="120000" extrusionOk="0">
                 <a:moveTo>
                   <a:pt x="0" y="0"/>
                 </a:moveTo>
@@ -752,9 +849,11 @@
       <p:sp>
         <p:nvSpPr>
           <p:cNvPr id="52" name="Google Shape;52;p:notes"/>
-          <p:cNvSpPr txBox="1"/>
+          <p:cNvSpPr txBox="1">
+            <a:spLocks noGrp="1"/>
+          </p:cNvSpPr>
           <p:nvPr>
-            <p:ph idx="1" type="body"/>
+            <p:ph type="body" idx="1"/>
           </p:nvPr>
         </p:nvSpPr>
         <p:spPr>
@@ -767,12 +866,12 @@
           </a:prstGeom>
         </p:spPr>
         <p:txBody>
-          <a:bodyPr anchorCtr="0" anchor="t" bIns="91425" lIns="91425" spcFirstLastPara="1" rIns="91425" wrap="square" tIns="91425">
+          <a:bodyPr spcFirstLastPara="1" wrap="square" lIns="91425" tIns="91425" rIns="91425" bIns="91425" anchor="t" anchorCtr="0">
             <a:noAutofit/>
           </a:bodyPr>
           <a:lstStyle/>
           <a:p>
-            <a:pPr indent="0" lvl="0" marL="0" rtl="0" algn="l">
+            <a:pPr marL="0" lvl="0" indent="0" algn="l" rtl="0">
               <a:spcBef>
                 <a:spcPts val="0"/>
               </a:spcBef>
@@ -781,9 +880,6 @@
               </a:spcAft>
               <a:buNone/>
             </a:pPr>
-            <a:r>
-              <a:t/>
-            </a:r>
             <a:endParaRPr/>
           </a:p>
         </p:txBody>
@@ -797,11 +893,11 @@
 </file>
 
 <file path=ppt/notesSlides/notesSlide2.xml><?xml version="1.0" encoding="utf-8"?>
-<p:notes xmlns:a="http://schemas.openxmlformats.org/drawingml/2006/main" xmlns:r="http://schemas.openxmlformats.org/officeDocument/2006/relationships" xmlns:mc="http://schemas.openxmlformats.org/markup-compatibility/2006" xmlns:mv="urn:schemas-microsoft-com:mac:vml" xmlns:p="http://schemas.openxmlformats.org/presentationml/2006/main" xmlns:c="http://schemas.openxmlformats.org/drawingml/2006/chart" xmlns:dgm="http://schemas.openxmlformats.org/drawingml/2006/diagram" xmlns:o="urn:schemas-microsoft-com:office:office" xmlns:v="urn:schemas-microsoft-com:vml" xmlns:pvml="urn:schemas-microsoft-com:office:powerpoint" xmlns:com="http://schemas.openxmlformats.org/drawingml/2006/compatibility" xmlns:p14="http://schemas.microsoft.com/office/powerpoint/2010/main" xmlns:p15="http://schemas.microsoft.com/office/powerpoint/2012/main" xmlns:ahyp="http://schemas.microsoft.com/office/drawing/2018/hyperlinkcolor" showMasterPhAnim="0" showMasterSp="0">
+<p:notes xmlns:a="http://schemas.openxmlformats.org/drawingml/2006/main" xmlns:r="http://schemas.openxmlformats.org/officeDocument/2006/relationships" xmlns:p="http://schemas.openxmlformats.org/presentationml/2006/main" showMasterSp="0" showMasterPhAnim="0">
   <p:cSld>
     <p:spTree>
       <p:nvGrpSpPr>
-        <p:cNvPr id="56" name="Shape 56"/>
+        <p:cNvPr id="1" name="Shape 56"/>
         <p:cNvGrpSpPr/>
         <p:nvPr/>
       </p:nvGrpSpPr>
@@ -816,9 +912,11 @@
       <p:sp>
         <p:nvSpPr>
           <p:cNvPr id="57" name="Google Shape;57;gc2d3890150_0_612:notes"/>
-          <p:cNvSpPr/>
+          <p:cNvSpPr>
+            <a:spLocks noGrp="1" noRot="1" noChangeAspect="1"/>
+          </p:cNvSpPr>
           <p:nvPr>
-            <p:ph idx="2" type="sldImg"/>
+            <p:ph type="sldImg" idx="2"/>
           </p:nvPr>
         </p:nvSpPr>
         <p:spPr>
@@ -827,9 +925,13 @@
             <a:ext cx="6096000" cy="3429000"/>
           </a:xfrm>
           <a:custGeom>
-            <a:rect b="b" l="l" r="r" t="t"/>
+            <a:avLst/>
+            <a:gdLst/>
+            <a:ahLst/>
+            <a:cxnLst/>
+            <a:rect l="l" t="t" r="r" b="b"/>
             <a:pathLst>
-              <a:path extrusionOk="0" h="120000" w="120000">
+              <a:path w="120000" h="120000" extrusionOk="0">
                 <a:moveTo>
                   <a:pt x="0" y="0"/>
                 </a:moveTo>
@@ -851,9 +953,11 @@
       <p:sp>
         <p:nvSpPr>
           <p:cNvPr id="58" name="Google Shape;58;gc2d3890150_0_612:notes"/>
-          <p:cNvSpPr txBox="1"/>
+          <p:cNvSpPr txBox="1">
+            <a:spLocks noGrp="1"/>
+          </p:cNvSpPr>
           <p:nvPr>
-            <p:ph idx="1" type="body"/>
+            <p:ph type="body" idx="1"/>
           </p:nvPr>
         </p:nvSpPr>
         <p:spPr>
@@ -866,12 +970,12 @@
           </a:prstGeom>
         </p:spPr>
         <p:txBody>
-          <a:bodyPr anchorCtr="0" anchor="t" bIns="91425" lIns="91425" spcFirstLastPara="1" rIns="91425" wrap="square" tIns="91425">
+          <a:bodyPr spcFirstLastPara="1" wrap="square" lIns="91425" tIns="91425" rIns="91425" bIns="91425" anchor="t" anchorCtr="0">
             <a:noAutofit/>
           </a:bodyPr>
           <a:lstStyle/>
           <a:p>
-            <a:pPr indent="0" lvl="0" marL="0" rtl="0" algn="l">
+            <a:pPr marL="0" lvl="0" indent="0" algn="l" rtl="0">
               <a:spcBef>
                 <a:spcPts val="0"/>
               </a:spcBef>
@@ -880,9 +984,6 @@
               </a:spcAft>
               <a:buNone/>
             </a:pPr>
-            <a:r>
-              <a:t/>
-            </a:r>
             <a:endParaRPr/>
           </a:p>
         </p:txBody>
@@ -896,11 +997,11 @@
 </file>
 
 <file path=ppt/notesSlides/notesSlide3.xml><?xml version="1.0" encoding="utf-8"?>
-<p:notes xmlns:a="http://schemas.openxmlformats.org/drawingml/2006/main" xmlns:r="http://schemas.openxmlformats.org/officeDocument/2006/relationships" xmlns:mc="http://schemas.openxmlformats.org/markup-compatibility/2006" xmlns:mv="urn:schemas-microsoft-com:mac:vml" xmlns:p="http://schemas.openxmlformats.org/presentationml/2006/main" xmlns:c="http://schemas.openxmlformats.org/drawingml/2006/chart" xmlns:dgm="http://schemas.openxmlformats.org/drawingml/2006/diagram" xmlns:o="urn:schemas-microsoft-com:office:office" xmlns:v="urn:schemas-microsoft-com:vml" xmlns:pvml="urn:schemas-microsoft-com:office:powerpoint" xmlns:com="http://schemas.openxmlformats.org/drawingml/2006/compatibility" xmlns:p14="http://schemas.microsoft.com/office/powerpoint/2010/main" xmlns:p15="http://schemas.microsoft.com/office/powerpoint/2012/main" xmlns:ahyp="http://schemas.microsoft.com/office/drawing/2018/hyperlinkcolor" showMasterPhAnim="0" showMasterSp="0">
+<p:notes xmlns:a="http://schemas.openxmlformats.org/drawingml/2006/main" xmlns:r="http://schemas.openxmlformats.org/officeDocument/2006/relationships" xmlns:p="http://schemas.openxmlformats.org/presentationml/2006/main" showMasterSp="0" showMasterPhAnim="0">
   <p:cSld>
     <p:spTree>
       <p:nvGrpSpPr>
-        <p:cNvPr id="62" name="Shape 62"/>
+        <p:cNvPr id="1" name="Shape 62"/>
         <p:cNvGrpSpPr/>
         <p:nvPr/>
       </p:nvGrpSpPr>
@@ -915,9 +1016,11 @@
       <p:sp>
         <p:nvSpPr>
           <p:cNvPr id="63" name="Google Shape;63;gc2d3890150_0_618:notes"/>
-          <p:cNvSpPr/>
+          <p:cNvSpPr>
+            <a:spLocks noGrp="1" noRot="1" noChangeAspect="1"/>
+          </p:cNvSpPr>
           <p:nvPr>
-            <p:ph idx="2" type="sldImg"/>
+            <p:ph type="sldImg" idx="2"/>
           </p:nvPr>
         </p:nvSpPr>
         <p:spPr>
@@ -926,9 +1029,13 @@
             <a:ext cx="6096000" cy="3429000"/>
           </a:xfrm>
           <a:custGeom>
-            <a:rect b="b" l="l" r="r" t="t"/>
+            <a:avLst/>
+            <a:gdLst/>
+            <a:ahLst/>
+            <a:cxnLst/>
+            <a:rect l="l" t="t" r="r" b="b"/>
             <a:pathLst>
-              <a:path extrusionOk="0" h="120000" w="120000">
+              <a:path w="120000" h="120000" extrusionOk="0">
                 <a:moveTo>
                   <a:pt x="0" y="0"/>
                 </a:moveTo>
@@ -950,9 +1057,11 @@
       <p:sp>
         <p:nvSpPr>
           <p:cNvPr id="64" name="Google Shape;64;gc2d3890150_0_618:notes"/>
-          <p:cNvSpPr txBox="1"/>
+          <p:cNvSpPr txBox="1">
+            <a:spLocks noGrp="1"/>
+          </p:cNvSpPr>
           <p:nvPr>
-            <p:ph idx="1" type="body"/>
+            <p:ph type="body" idx="1"/>
           </p:nvPr>
         </p:nvSpPr>
         <p:spPr>
@@ -965,12 +1074,12 @@
           </a:prstGeom>
         </p:spPr>
         <p:txBody>
-          <a:bodyPr anchorCtr="0" anchor="t" bIns="91425" lIns="91425" spcFirstLastPara="1" rIns="91425" wrap="square" tIns="91425">
+          <a:bodyPr spcFirstLastPara="1" wrap="square" lIns="91425" tIns="91425" rIns="91425" bIns="91425" anchor="t" anchorCtr="0">
             <a:noAutofit/>
           </a:bodyPr>
           <a:lstStyle/>
           <a:p>
-            <a:pPr indent="0" lvl="0" marL="0" rtl="0" algn="l">
+            <a:pPr marL="0" lvl="0" indent="0" algn="l" rtl="0">
               <a:spcBef>
                 <a:spcPts val="0"/>
               </a:spcBef>
@@ -979,9 +1088,6 @@
               </a:spcAft>
               <a:buNone/>
             </a:pPr>
-            <a:r>
-              <a:t/>
-            </a:r>
             <a:endParaRPr/>
           </a:p>
         </p:txBody>
@@ -995,11 +1101,11 @@
 </file>
 
 <file path=ppt/notesSlides/notesSlide4.xml><?xml version="1.0" encoding="utf-8"?>
-<p:notes xmlns:a="http://schemas.openxmlformats.org/drawingml/2006/main" xmlns:r="http://schemas.openxmlformats.org/officeDocument/2006/relationships" xmlns:mc="http://schemas.openxmlformats.org/markup-compatibility/2006" xmlns:mv="urn:schemas-microsoft-com:mac:vml" xmlns:p="http://schemas.openxmlformats.org/presentationml/2006/main" xmlns:c="http://schemas.openxmlformats.org/drawingml/2006/chart" xmlns:dgm="http://schemas.openxmlformats.org/drawingml/2006/diagram" xmlns:o="urn:schemas-microsoft-com:office:office" xmlns:v="urn:schemas-microsoft-com:vml" xmlns:pvml="urn:schemas-microsoft-com:office:powerpoint" xmlns:com="http://schemas.openxmlformats.org/drawingml/2006/compatibility" xmlns:p14="http://schemas.microsoft.com/office/powerpoint/2010/main" xmlns:p15="http://schemas.microsoft.com/office/powerpoint/2012/main" xmlns:ahyp="http://schemas.microsoft.com/office/drawing/2018/hyperlinkcolor" showMasterPhAnim="0" showMasterSp="0">
+<p:notes xmlns:a="http://schemas.openxmlformats.org/drawingml/2006/main" xmlns:r="http://schemas.openxmlformats.org/officeDocument/2006/relationships" xmlns:p="http://schemas.openxmlformats.org/presentationml/2006/main" showMasterSp="0" showMasterPhAnim="0">
   <p:cSld>
     <p:spTree>
       <p:nvGrpSpPr>
-        <p:cNvPr id="68" name="Shape 68"/>
+        <p:cNvPr id="1" name="Shape 68"/>
         <p:cNvGrpSpPr/>
         <p:nvPr/>
       </p:nvGrpSpPr>
@@ -1014,20 +1120,26 @@
       <p:sp>
         <p:nvSpPr>
           <p:cNvPr id="69" name="Google Shape;69;gc2d3890150_0_623:notes"/>
-          <p:cNvSpPr/>
+          <p:cNvSpPr>
+            <a:spLocks noGrp="1" noRot="1" noChangeAspect="1"/>
+          </p:cNvSpPr>
           <p:nvPr>
-            <p:ph idx="2" type="sldImg"/>
+            <p:ph type="sldImg" idx="2"/>
           </p:nvPr>
         </p:nvSpPr>
         <p:spPr>
           <a:xfrm>
-            <a:off x="381300" y="685800"/>
+            <a:off x="381000" y="685800"/>
             <a:ext cx="6096000" cy="3429000"/>
           </a:xfrm>
           <a:custGeom>
-            <a:rect b="b" l="l" r="r" t="t"/>
+            <a:avLst/>
+            <a:gdLst/>
+            <a:ahLst/>
+            <a:cxnLst/>
+            <a:rect l="l" t="t" r="r" b="b"/>
             <a:pathLst>
-              <a:path extrusionOk="0" h="120000" w="120000">
+              <a:path w="120000" h="120000" extrusionOk="0">
                 <a:moveTo>
                   <a:pt x="0" y="0"/>
                 </a:moveTo>
@@ -1049,9 +1161,11 @@
       <p:sp>
         <p:nvSpPr>
           <p:cNvPr id="70" name="Google Shape;70;gc2d3890150_0_623:notes"/>
-          <p:cNvSpPr txBox="1"/>
+          <p:cNvSpPr txBox="1">
+            <a:spLocks noGrp="1"/>
+          </p:cNvSpPr>
           <p:nvPr>
-            <p:ph idx="1" type="body"/>
+            <p:ph type="body" idx="1"/>
           </p:nvPr>
         </p:nvSpPr>
         <p:spPr>
@@ -1064,12 +1178,12 @@
           </a:prstGeom>
         </p:spPr>
         <p:txBody>
-          <a:bodyPr anchorCtr="0" anchor="t" bIns="91425" lIns="91425" spcFirstLastPara="1" rIns="91425" wrap="square" tIns="91425">
+          <a:bodyPr spcFirstLastPara="1" wrap="square" lIns="91425" tIns="91425" rIns="91425" bIns="91425" anchor="t" anchorCtr="0">
             <a:noAutofit/>
           </a:bodyPr>
           <a:lstStyle/>
           <a:p>
-            <a:pPr indent="0" lvl="0" marL="0" rtl="0" algn="l">
+            <a:pPr marL="0" lvl="0" indent="0" algn="l" rtl="0">
               <a:spcBef>
                 <a:spcPts val="0"/>
               </a:spcBef>
@@ -1078,9 +1192,6 @@
               </a:spcAft>
               <a:buNone/>
             </a:pPr>
-            <a:r>
-              <a:t/>
-            </a:r>
             <a:endParaRPr/>
           </a:p>
         </p:txBody>
@@ -1094,11 +1205,11 @@
 </file>
 
 <file path=ppt/notesSlides/notesSlide5.xml><?xml version="1.0" encoding="utf-8"?>
-<p:notes xmlns:a="http://schemas.openxmlformats.org/drawingml/2006/main" xmlns:r="http://schemas.openxmlformats.org/officeDocument/2006/relationships" xmlns:mc="http://schemas.openxmlformats.org/markup-compatibility/2006" xmlns:mv="urn:schemas-microsoft-com:mac:vml" xmlns:p="http://schemas.openxmlformats.org/presentationml/2006/main" xmlns:c="http://schemas.openxmlformats.org/drawingml/2006/chart" xmlns:dgm="http://schemas.openxmlformats.org/drawingml/2006/diagram" xmlns:o="urn:schemas-microsoft-com:office:office" xmlns:v="urn:schemas-microsoft-com:vml" xmlns:pvml="urn:schemas-microsoft-com:office:powerpoint" xmlns:com="http://schemas.openxmlformats.org/drawingml/2006/compatibility" xmlns:p14="http://schemas.microsoft.com/office/powerpoint/2010/main" xmlns:p15="http://schemas.microsoft.com/office/powerpoint/2012/main" xmlns:ahyp="http://schemas.microsoft.com/office/drawing/2018/hyperlinkcolor" showMasterPhAnim="0" showMasterSp="0">
+<p:notes xmlns:a="http://schemas.openxmlformats.org/drawingml/2006/main" xmlns:r="http://schemas.openxmlformats.org/officeDocument/2006/relationships" xmlns:p="http://schemas.openxmlformats.org/presentationml/2006/main" showMasterSp="0" showMasterPhAnim="0">
   <p:cSld>
     <p:spTree>
       <p:nvGrpSpPr>
-        <p:cNvPr id="75" name="Shape 75"/>
+        <p:cNvPr id="1" name="Shape 75"/>
         <p:cNvGrpSpPr/>
         <p:nvPr/>
       </p:nvGrpSpPr>
@@ -1113,9 +1224,11 @@
       <p:sp>
         <p:nvSpPr>
           <p:cNvPr id="76" name="Google Shape;76;gc2d3890150_0_629:notes"/>
-          <p:cNvSpPr/>
+          <p:cNvSpPr>
+            <a:spLocks noGrp="1" noRot="1" noChangeAspect="1"/>
+          </p:cNvSpPr>
           <p:nvPr>
-            <p:ph idx="2" type="sldImg"/>
+            <p:ph type="sldImg" idx="2"/>
           </p:nvPr>
         </p:nvSpPr>
         <p:spPr>
@@ -1124,9 +1237,13 @@
             <a:ext cx="6096000" cy="3429000"/>
           </a:xfrm>
           <a:custGeom>
-            <a:rect b="b" l="l" r="r" t="t"/>
+            <a:avLst/>
+            <a:gdLst/>
+            <a:ahLst/>
+            <a:cxnLst/>
+            <a:rect l="l" t="t" r="r" b="b"/>
             <a:pathLst>
-              <a:path extrusionOk="0" h="120000" w="120000">
+              <a:path w="120000" h="120000" extrusionOk="0">
                 <a:moveTo>
                   <a:pt x="0" y="0"/>
                 </a:moveTo>
@@ -1148,9 +1265,11 @@
       <p:sp>
         <p:nvSpPr>
           <p:cNvPr id="77" name="Google Shape;77;gc2d3890150_0_629:notes"/>
-          <p:cNvSpPr txBox="1"/>
+          <p:cNvSpPr txBox="1">
+            <a:spLocks noGrp="1"/>
+          </p:cNvSpPr>
           <p:nvPr>
-            <p:ph idx="1" type="body"/>
+            <p:ph type="body" idx="1"/>
           </p:nvPr>
         </p:nvSpPr>
         <p:spPr>
@@ -1163,12 +1282,12 @@
           </a:prstGeom>
         </p:spPr>
         <p:txBody>
-          <a:bodyPr anchorCtr="0" anchor="t" bIns="91425" lIns="91425" spcFirstLastPara="1" rIns="91425" wrap="square" tIns="91425">
+          <a:bodyPr spcFirstLastPara="1" wrap="square" lIns="91425" tIns="91425" rIns="91425" bIns="91425" anchor="t" anchorCtr="0">
             <a:noAutofit/>
           </a:bodyPr>
           <a:lstStyle/>
           <a:p>
-            <a:pPr indent="0" lvl="0" marL="0" rtl="0" algn="l">
+            <a:pPr marL="0" lvl="0" indent="0" algn="l" rtl="0">
               <a:spcBef>
                 <a:spcPts val="0"/>
               </a:spcBef>
@@ -1177,9 +1296,6 @@
               </a:spcAft>
               <a:buNone/>
             </a:pPr>
-            <a:r>
-              <a:t/>
-            </a:r>
             <a:endParaRPr/>
           </a:p>
         </p:txBody>
@@ -1193,11 +1309,11 @@
 </file>
 
 <file path=ppt/slideLayouts/slideLayout1.xml><?xml version="1.0" encoding="utf-8"?>
-<p:sldLayout xmlns:a="http://schemas.openxmlformats.org/drawingml/2006/main" xmlns:r="http://schemas.openxmlformats.org/officeDocument/2006/relationships" xmlns:mc="http://schemas.openxmlformats.org/markup-compatibility/2006" xmlns:mv="urn:schemas-microsoft-com:mac:vml" xmlns:p="http://schemas.openxmlformats.org/presentationml/2006/main" xmlns:c="http://schemas.openxmlformats.org/drawingml/2006/chart" xmlns:dgm="http://schemas.openxmlformats.org/drawingml/2006/diagram" xmlns:o="urn:schemas-microsoft-com:office:office" xmlns:v="urn:schemas-microsoft-com:vml" xmlns:pvml="urn:schemas-microsoft-com:office:powerpoint" xmlns:com="http://schemas.openxmlformats.org/drawingml/2006/compatibility" xmlns:p14="http://schemas.microsoft.com/office/powerpoint/2010/main" xmlns:p15="http://schemas.microsoft.com/office/powerpoint/2012/main" xmlns:ahyp="http://schemas.microsoft.com/office/drawing/2018/hyperlinkcolor" matchingName="Title slide" type="title">
+<p:sldLayout xmlns:a="http://schemas.openxmlformats.org/drawingml/2006/main" xmlns:r="http://schemas.openxmlformats.org/officeDocument/2006/relationships" xmlns:p="http://schemas.openxmlformats.org/presentationml/2006/main" matchingName="Title slide" type="title">
   <p:cSld name="TITLE">
     <p:spTree>
       <p:nvGrpSpPr>
-        <p:cNvPr id="9" name="Shape 9"/>
+        <p:cNvPr id="1" name="Shape 9"/>
         <p:cNvGrpSpPr/>
         <p:nvPr/>
       </p:nvGrpSpPr>
@@ -1212,7 +1328,9 @@
       <p:sp>
         <p:nvSpPr>
           <p:cNvPr id="10" name="Google Shape;10;p2"/>
-          <p:cNvSpPr txBox="1"/>
+          <p:cNvSpPr txBox="1">
+            <a:spLocks noGrp="1"/>
+          </p:cNvSpPr>
           <p:nvPr>
             <p:ph type="ctrTitle"/>
           </p:nvPr>
@@ -1227,7 +1345,7 @@
           </a:prstGeom>
         </p:spPr>
         <p:txBody>
-          <a:bodyPr anchorCtr="0" anchor="b" bIns="91425" lIns="91425" spcFirstLastPara="1" rIns="91425" wrap="square" tIns="91425">
+          <a:bodyPr spcFirstLastPara="1" wrap="square" lIns="91425" tIns="91425" rIns="91425" bIns="91425" anchor="b" anchorCtr="0">
             <a:normAutofit/>
           </a:bodyPr>
           <a:lstStyle>
@@ -1331,15 +1449,19 @@
               <a:defRPr sz="5200"/>
             </a:lvl9pPr>
           </a:lstStyle>
-          <a:p/>
+          <a:p>
+            <a:endParaRPr/>
+          </a:p>
         </p:txBody>
       </p:sp>
       <p:sp>
         <p:nvSpPr>
           <p:cNvPr id="11" name="Google Shape;11;p2"/>
-          <p:cNvSpPr txBox="1"/>
+          <p:cNvSpPr txBox="1">
+            <a:spLocks noGrp="1"/>
+          </p:cNvSpPr>
           <p:nvPr>
-            <p:ph idx="1" type="subTitle"/>
+            <p:ph type="subTitle" idx="1"/>
           </p:nvPr>
         </p:nvSpPr>
         <p:spPr>
@@ -1352,7 +1474,7 @@
           </a:prstGeom>
         </p:spPr>
         <p:txBody>
-          <a:bodyPr anchorCtr="0" anchor="t" bIns="91425" lIns="91425" spcFirstLastPara="1" rIns="91425" wrap="square" tIns="91425">
+          <a:bodyPr spcFirstLastPara="1" wrap="square" lIns="91425" tIns="91425" rIns="91425" bIns="91425" anchor="t" anchorCtr="0">
             <a:normAutofit/>
           </a:bodyPr>
           <a:lstStyle>
@@ -1483,15 +1605,19 @@
               <a:defRPr sz="2800"/>
             </a:lvl9pPr>
           </a:lstStyle>
-          <a:p/>
+          <a:p>
+            <a:endParaRPr/>
+          </a:p>
         </p:txBody>
       </p:sp>
       <p:sp>
         <p:nvSpPr>
           <p:cNvPr id="12" name="Google Shape;12;p2"/>
-          <p:cNvSpPr txBox="1"/>
+          <p:cNvSpPr txBox="1">
+            <a:spLocks noGrp="1"/>
+          </p:cNvSpPr>
           <p:nvPr>
-            <p:ph idx="12" type="sldNum"/>
+            <p:ph type="sldNum" idx="12"/>
           </p:nvPr>
         </p:nvSpPr>
         <p:spPr>
@@ -1504,7 +1630,7 @@
           </a:prstGeom>
         </p:spPr>
         <p:txBody>
-          <a:bodyPr anchorCtr="0" anchor="ctr" bIns="91425" lIns="91425" spcFirstLastPara="1" rIns="91425" wrap="square" tIns="91425">
+          <a:bodyPr spcFirstLastPara="1" wrap="square" lIns="91425" tIns="91425" rIns="91425" bIns="91425" anchor="ctr" anchorCtr="0">
             <a:normAutofit/>
           </a:bodyPr>
           <a:lstStyle>
@@ -1546,7 +1672,7 @@
             </a:lvl9pPr>
           </a:lstStyle>
           <a:p>
-            <a:pPr indent="0" lvl="0" marL="0" rtl="0" algn="r">
+            <a:pPr marL="0" lvl="0" indent="0" algn="r" rtl="0">
               <a:spcBef>
                 <a:spcPts val="0"/>
               </a:spcBef>
@@ -1572,11 +1698,11 @@
 </file>
 
 <file path=ppt/slideLayouts/slideLayout10.xml><?xml version="1.0" encoding="utf-8"?>
-<p:sldLayout xmlns:a="http://schemas.openxmlformats.org/drawingml/2006/main" xmlns:r="http://schemas.openxmlformats.org/officeDocument/2006/relationships" xmlns:mc="http://schemas.openxmlformats.org/markup-compatibility/2006" xmlns:mv="urn:schemas-microsoft-com:mac:vml" xmlns:p="http://schemas.openxmlformats.org/presentationml/2006/main" xmlns:c="http://schemas.openxmlformats.org/drawingml/2006/chart" xmlns:dgm="http://schemas.openxmlformats.org/drawingml/2006/diagram" xmlns:o="urn:schemas-microsoft-com:office:office" xmlns:v="urn:schemas-microsoft-com:vml" xmlns:pvml="urn:schemas-microsoft-com:office:powerpoint" xmlns:com="http://schemas.openxmlformats.org/drawingml/2006/compatibility" xmlns:p14="http://schemas.microsoft.com/office/powerpoint/2010/main" xmlns:p15="http://schemas.microsoft.com/office/powerpoint/2012/main" xmlns:ahyp="http://schemas.microsoft.com/office/drawing/2018/hyperlinkcolor" matchingName="Big number">
+<p:sldLayout xmlns:a="http://schemas.openxmlformats.org/drawingml/2006/main" xmlns:r="http://schemas.openxmlformats.org/officeDocument/2006/relationships" xmlns:p="http://schemas.openxmlformats.org/presentationml/2006/main" matchingName="Big number">
   <p:cSld name="BIG_NUMBER">
     <p:spTree>
       <p:nvGrpSpPr>
-        <p:cNvPr id="44" name="Shape 44"/>
+        <p:cNvPr id="1" name="Shape 44"/>
         <p:cNvGrpSpPr/>
         <p:nvPr/>
       </p:nvGrpSpPr>
@@ -1591,9 +1717,11 @@
       <p:sp>
         <p:nvSpPr>
           <p:cNvPr id="45" name="Google Shape;45;p11"/>
-          <p:cNvSpPr txBox="1"/>
+          <p:cNvSpPr txBox="1">
+            <a:spLocks noGrp="1"/>
+          </p:cNvSpPr>
           <p:nvPr>
-            <p:ph hasCustomPrompt="1" type="title"/>
+            <p:ph type="title" hasCustomPrompt="1"/>
           </p:nvPr>
         </p:nvSpPr>
         <p:spPr>
@@ -1606,7 +1734,7 @@
           </a:prstGeom>
         </p:spPr>
         <p:txBody>
-          <a:bodyPr anchorCtr="0" anchor="b" bIns="91425" lIns="91425" spcFirstLastPara="1" rIns="91425" wrap="square" tIns="91425">
+          <a:bodyPr spcFirstLastPara="1" wrap="square" lIns="91425" tIns="91425" rIns="91425" bIns="91425" anchor="b" anchorCtr="0">
             <a:normAutofit/>
           </a:bodyPr>
           <a:lstStyle>
@@ -1720,9 +1848,11 @@
       <p:sp>
         <p:nvSpPr>
           <p:cNvPr id="46" name="Google Shape;46;p11"/>
-          <p:cNvSpPr txBox="1"/>
+          <p:cNvSpPr txBox="1">
+            <a:spLocks noGrp="1"/>
+          </p:cNvSpPr>
           <p:nvPr>
-            <p:ph idx="1" type="body"/>
+            <p:ph type="body" idx="1"/>
           </p:nvPr>
         </p:nvSpPr>
         <p:spPr>
@@ -1735,11 +1865,11 @@
           </a:prstGeom>
         </p:spPr>
         <p:txBody>
-          <a:bodyPr anchorCtr="0" anchor="t" bIns="91425" lIns="91425" spcFirstLastPara="1" rIns="91425" wrap="square" tIns="91425">
+          <a:bodyPr spcFirstLastPara="1" wrap="square" lIns="91425" tIns="91425" rIns="91425" bIns="91425" anchor="t" anchorCtr="0">
             <a:normAutofit/>
           </a:bodyPr>
           <a:lstStyle>
-            <a:lvl1pPr indent="-342900" lvl="0" marL="457200" algn="ctr">
+            <a:lvl1pPr marL="457200" lvl="0" indent="-342900" algn="ctr">
               <a:spcBef>
                 <a:spcPts val="0"/>
               </a:spcBef>
@@ -1750,7 +1880,7 @@
               <a:buChar char="●"/>
               <a:defRPr/>
             </a:lvl1pPr>
-            <a:lvl2pPr indent="-317500" lvl="1" marL="914400" algn="ctr">
+            <a:lvl2pPr marL="914400" lvl="1" indent="-317500" algn="ctr">
               <a:spcBef>
                 <a:spcPts val="0"/>
               </a:spcBef>
@@ -1761,7 +1891,7 @@
               <a:buChar char="○"/>
               <a:defRPr/>
             </a:lvl2pPr>
-            <a:lvl3pPr indent="-317500" lvl="2" marL="1371600" algn="ctr">
+            <a:lvl3pPr marL="1371600" lvl="2" indent="-317500" algn="ctr">
               <a:spcBef>
                 <a:spcPts val="0"/>
               </a:spcBef>
@@ -1772,7 +1902,7 @@
               <a:buChar char="■"/>
               <a:defRPr/>
             </a:lvl3pPr>
-            <a:lvl4pPr indent="-317500" lvl="3" marL="1828800" algn="ctr">
+            <a:lvl4pPr marL="1828800" lvl="3" indent="-317500" algn="ctr">
               <a:spcBef>
                 <a:spcPts val="0"/>
               </a:spcBef>
@@ -1783,7 +1913,7 @@
               <a:buChar char="●"/>
               <a:defRPr/>
             </a:lvl4pPr>
-            <a:lvl5pPr indent="-317500" lvl="4" marL="2286000" algn="ctr">
+            <a:lvl5pPr marL="2286000" lvl="4" indent="-317500" algn="ctr">
               <a:spcBef>
                 <a:spcPts val="0"/>
               </a:spcBef>
@@ -1794,7 +1924,7 @@
               <a:buChar char="○"/>
               <a:defRPr/>
             </a:lvl5pPr>
-            <a:lvl6pPr indent="-317500" lvl="5" marL="2743200" algn="ctr">
+            <a:lvl6pPr marL="2743200" lvl="5" indent="-317500" algn="ctr">
               <a:spcBef>
                 <a:spcPts val="0"/>
               </a:spcBef>
@@ -1805,7 +1935,7 @@
               <a:buChar char="■"/>
               <a:defRPr/>
             </a:lvl6pPr>
-            <a:lvl7pPr indent="-317500" lvl="6" marL="3200400" algn="ctr">
+            <a:lvl7pPr marL="3200400" lvl="6" indent="-317500" algn="ctr">
               <a:spcBef>
                 <a:spcPts val="0"/>
               </a:spcBef>
@@ -1816,7 +1946,7 @@
               <a:buChar char="●"/>
               <a:defRPr/>
             </a:lvl7pPr>
-            <a:lvl8pPr indent="-317500" lvl="7" marL="3657600" algn="ctr">
+            <a:lvl8pPr marL="3657600" lvl="7" indent="-317500" algn="ctr">
               <a:spcBef>
                 <a:spcPts val="0"/>
               </a:spcBef>
@@ -1827,7 +1957,7 @@
               <a:buChar char="○"/>
               <a:defRPr/>
             </a:lvl8pPr>
-            <a:lvl9pPr indent="-317500" lvl="8" marL="4114800" algn="ctr">
+            <a:lvl9pPr marL="4114800" lvl="8" indent="-317500" algn="ctr">
               <a:spcBef>
                 <a:spcPts val="0"/>
               </a:spcBef>
@@ -1839,15 +1969,19 @@
               <a:defRPr/>
             </a:lvl9pPr>
           </a:lstStyle>
-          <a:p/>
+          <a:p>
+            <a:endParaRPr/>
+          </a:p>
         </p:txBody>
       </p:sp>
       <p:sp>
         <p:nvSpPr>
           <p:cNvPr id="47" name="Google Shape;47;p11"/>
-          <p:cNvSpPr txBox="1"/>
+          <p:cNvSpPr txBox="1">
+            <a:spLocks noGrp="1"/>
+          </p:cNvSpPr>
           <p:nvPr>
-            <p:ph idx="12" type="sldNum"/>
+            <p:ph type="sldNum" idx="12"/>
           </p:nvPr>
         </p:nvSpPr>
         <p:spPr>
@@ -1860,7 +1994,7 @@
           </a:prstGeom>
         </p:spPr>
         <p:txBody>
-          <a:bodyPr anchorCtr="0" anchor="ctr" bIns="91425" lIns="91425" spcFirstLastPara="1" rIns="91425" wrap="square" tIns="91425">
+          <a:bodyPr spcFirstLastPara="1" wrap="square" lIns="91425" tIns="91425" rIns="91425" bIns="91425" anchor="ctr" anchorCtr="0">
             <a:normAutofit/>
           </a:bodyPr>
           <a:lstStyle>
@@ -1902,7 +2036,7 @@
             </a:lvl9pPr>
           </a:lstStyle>
           <a:p>
-            <a:pPr indent="0" lvl="0" marL="0" rtl="0" algn="r">
+            <a:pPr marL="0" lvl="0" indent="0" algn="r" rtl="0">
               <a:spcBef>
                 <a:spcPts val="0"/>
               </a:spcBef>
@@ -1928,11 +2062,11 @@
 </file>
 
 <file path=ppt/slideLayouts/slideLayout11.xml><?xml version="1.0" encoding="utf-8"?>
-<p:sldLayout xmlns:a="http://schemas.openxmlformats.org/drawingml/2006/main" xmlns:r="http://schemas.openxmlformats.org/officeDocument/2006/relationships" xmlns:mc="http://schemas.openxmlformats.org/markup-compatibility/2006" xmlns:mv="urn:schemas-microsoft-com:mac:vml" xmlns:p="http://schemas.openxmlformats.org/presentationml/2006/main" xmlns:c="http://schemas.openxmlformats.org/drawingml/2006/chart" xmlns:dgm="http://schemas.openxmlformats.org/drawingml/2006/diagram" xmlns:o="urn:schemas-microsoft-com:office:office" xmlns:v="urn:schemas-microsoft-com:vml" xmlns:pvml="urn:schemas-microsoft-com:office:powerpoint" xmlns:com="http://schemas.openxmlformats.org/drawingml/2006/compatibility" xmlns:p14="http://schemas.microsoft.com/office/powerpoint/2010/main" xmlns:p15="http://schemas.microsoft.com/office/powerpoint/2012/main" xmlns:ahyp="http://schemas.microsoft.com/office/drawing/2018/hyperlinkcolor" matchingName="Blank" type="blank">
+<p:sldLayout xmlns:a="http://schemas.openxmlformats.org/drawingml/2006/main" xmlns:r="http://schemas.openxmlformats.org/officeDocument/2006/relationships" xmlns:p="http://schemas.openxmlformats.org/presentationml/2006/main" matchingName="Blank" type="blank">
   <p:cSld name="BLANK">
     <p:spTree>
       <p:nvGrpSpPr>
-        <p:cNvPr id="48" name="Shape 48"/>
+        <p:cNvPr id="1" name="Shape 48"/>
         <p:cNvGrpSpPr/>
         <p:nvPr/>
       </p:nvGrpSpPr>
@@ -1947,9 +2081,11 @@
       <p:sp>
         <p:nvSpPr>
           <p:cNvPr id="49" name="Google Shape;49;p12"/>
-          <p:cNvSpPr txBox="1"/>
+          <p:cNvSpPr txBox="1">
+            <a:spLocks noGrp="1"/>
+          </p:cNvSpPr>
           <p:nvPr>
-            <p:ph idx="12" type="sldNum"/>
+            <p:ph type="sldNum" idx="12"/>
           </p:nvPr>
         </p:nvSpPr>
         <p:spPr>
@@ -1962,7 +2098,7 @@
           </a:prstGeom>
         </p:spPr>
         <p:txBody>
-          <a:bodyPr anchorCtr="0" anchor="ctr" bIns="91425" lIns="91425" spcFirstLastPara="1" rIns="91425" wrap="square" tIns="91425">
+          <a:bodyPr spcFirstLastPara="1" wrap="square" lIns="91425" tIns="91425" rIns="91425" bIns="91425" anchor="ctr" anchorCtr="0">
             <a:normAutofit/>
           </a:bodyPr>
           <a:lstStyle>
@@ -2004,7 +2140,7 @@
             </a:lvl9pPr>
           </a:lstStyle>
           <a:p>
-            <a:pPr indent="0" lvl="0" marL="0" rtl="0" algn="r">
+            <a:pPr marL="0" lvl="0" indent="0" algn="r" rtl="0">
               <a:spcBef>
                 <a:spcPts val="0"/>
               </a:spcBef>
@@ -2030,11 +2166,11 @@
 </file>
 
 <file path=ppt/slideLayouts/slideLayout2.xml><?xml version="1.0" encoding="utf-8"?>
-<p:sldLayout xmlns:a="http://schemas.openxmlformats.org/drawingml/2006/main" xmlns:r="http://schemas.openxmlformats.org/officeDocument/2006/relationships" xmlns:mc="http://schemas.openxmlformats.org/markup-compatibility/2006" xmlns:mv="urn:schemas-microsoft-com:mac:vml" xmlns:p="http://schemas.openxmlformats.org/presentationml/2006/main" xmlns:c="http://schemas.openxmlformats.org/drawingml/2006/chart" xmlns:dgm="http://schemas.openxmlformats.org/drawingml/2006/diagram" xmlns:o="urn:schemas-microsoft-com:office:office" xmlns:v="urn:schemas-microsoft-com:vml" xmlns:pvml="urn:schemas-microsoft-com:office:powerpoint" xmlns:com="http://schemas.openxmlformats.org/drawingml/2006/compatibility" xmlns:p14="http://schemas.microsoft.com/office/powerpoint/2010/main" xmlns:p15="http://schemas.microsoft.com/office/powerpoint/2012/main" xmlns:ahyp="http://schemas.microsoft.com/office/drawing/2018/hyperlinkcolor" matchingName="Section header" type="secHead">
+<p:sldLayout xmlns:a="http://schemas.openxmlformats.org/drawingml/2006/main" xmlns:r="http://schemas.openxmlformats.org/officeDocument/2006/relationships" xmlns:p="http://schemas.openxmlformats.org/presentationml/2006/main" matchingName="Section header" type="secHead">
   <p:cSld name="SECTION_HEADER">
     <p:spTree>
       <p:nvGrpSpPr>
-        <p:cNvPr id="13" name="Shape 13"/>
+        <p:cNvPr id="1" name="Shape 13"/>
         <p:cNvGrpSpPr/>
         <p:nvPr/>
       </p:nvGrpSpPr>
@@ -2049,7 +2185,9 @@
       <p:sp>
         <p:nvSpPr>
           <p:cNvPr id="14" name="Google Shape;14;p3"/>
-          <p:cNvSpPr txBox="1"/>
+          <p:cNvSpPr txBox="1">
+            <a:spLocks noGrp="1"/>
+          </p:cNvSpPr>
           <p:nvPr>
             <p:ph type="title"/>
           </p:nvPr>
@@ -2064,7 +2202,7 @@
           </a:prstGeom>
         </p:spPr>
         <p:txBody>
-          <a:bodyPr anchorCtr="0" anchor="ctr" bIns="91425" lIns="91425" spcFirstLastPara="1" rIns="91425" wrap="square" tIns="91425">
+          <a:bodyPr spcFirstLastPara="1" wrap="square" lIns="91425" tIns="91425" rIns="91425" bIns="91425" anchor="ctr" anchorCtr="0">
             <a:normAutofit/>
           </a:bodyPr>
           <a:lstStyle>
@@ -2168,15 +2306,19 @@
               <a:defRPr sz="3600"/>
             </a:lvl9pPr>
           </a:lstStyle>
-          <a:p/>
+          <a:p>
+            <a:endParaRPr/>
+          </a:p>
         </p:txBody>
       </p:sp>
       <p:sp>
         <p:nvSpPr>
           <p:cNvPr id="15" name="Google Shape;15;p3"/>
-          <p:cNvSpPr txBox="1"/>
+          <p:cNvSpPr txBox="1">
+            <a:spLocks noGrp="1"/>
+          </p:cNvSpPr>
           <p:nvPr>
-            <p:ph idx="12" type="sldNum"/>
+            <p:ph type="sldNum" idx="12"/>
           </p:nvPr>
         </p:nvSpPr>
         <p:spPr>
@@ -2189,7 +2331,7 @@
           </a:prstGeom>
         </p:spPr>
         <p:txBody>
-          <a:bodyPr anchorCtr="0" anchor="ctr" bIns="91425" lIns="91425" spcFirstLastPara="1" rIns="91425" wrap="square" tIns="91425">
+          <a:bodyPr spcFirstLastPara="1" wrap="square" lIns="91425" tIns="91425" rIns="91425" bIns="91425" anchor="ctr" anchorCtr="0">
             <a:normAutofit/>
           </a:bodyPr>
           <a:lstStyle>
@@ -2231,7 +2373,7 @@
             </a:lvl9pPr>
           </a:lstStyle>
           <a:p>
-            <a:pPr indent="0" lvl="0" marL="0" rtl="0" algn="r">
+            <a:pPr marL="0" lvl="0" indent="0" algn="r" rtl="0">
               <a:spcBef>
                 <a:spcPts val="0"/>
               </a:spcBef>
@@ -2257,11 +2399,11 @@
 </file>
 
 <file path=ppt/slideLayouts/slideLayout3.xml><?xml version="1.0" encoding="utf-8"?>
-<p:sldLayout xmlns:a="http://schemas.openxmlformats.org/drawingml/2006/main" xmlns:r="http://schemas.openxmlformats.org/officeDocument/2006/relationships" xmlns:mc="http://schemas.openxmlformats.org/markup-compatibility/2006" xmlns:mv="urn:schemas-microsoft-com:mac:vml" xmlns:p="http://schemas.openxmlformats.org/presentationml/2006/main" xmlns:c="http://schemas.openxmlformats.org/drawingml/2006/chart" xmlns:dgm="http://schemas.openxmlformats.org/drawingml/2006/diagram" xmlns:o="urn:schemas-microsoft-com:office:office" xmlns:v="urn:schemas-microsoft-com:vml" xmlns:pvml="urn:schemas-microsoft-com:office:powerpoint" xmlns:com="http://schemas.openxmlformats.org/drawingml/2006/compatibility" xmlns:p14="http://schemas.microsoft.com/office/powerpoint/2010/main" xmlns:p15="http://schemas.microsoft.com/office/powerpoint/2012/main" xmlns:ahyp="http://schemas.microsoft.com/office/drawing/2018/hyperlinkcolor" matchingName="Title and body" type="tx">
+<p:sldLayout xmlns:a="http://schemas.openxmlformats.org/drawingml/2006/main" xmlns:r="http://schemas.openxmlformats.org/officeDocument/2006/relationships" xmlns:p="http://schemas.openxmlformats.org/presentationml/2006/main" matchingName="Title and body" type="tx">
   <p:cSld name="TITLE_AND_BODY">
     <p:spTree>
       <p:nvGrpSpPr>
-        <p:cNvPr id="16" name="Shape 16"/>
+        <p:cNvPr id="1" name="Shape 16"/>
         <p:cNvGrpSpPr/>
         <p:nvPr/>
       </p:nvGrpSpPr>
@@ -2276,7 +2418,9 @@
       <p:sp>
         <p:nvSpPr>
           <p:cNvPr id="17" name="Google Shape;17;p4"/>
-          <p:cNvSpPr txBox="1"/>
+          <p:cNvSpPr txBox="1">
+            <a:spLocks noGrp="1"/>
+          </p:cNvSpPr>
           <p:nvPr>
             <p:ph type="title"/>
           </p:nvPr>
@@ -2291,7 +2435,7 @@
           </a:prstGeom>
         </p:spPr>
         <p:txBody>
-          <a:bodyPr anchorCtr="0" anchor="t" bIns="91425" lIns="91425" spcFirstLastPara="1" rIns="91425" wrap="square" tIns="91425">
+          <a:bodyPr spcFirstLastPara="1" wrap="square" lIns="91425" tIns="91425" rIns="91425" bIns="91425" anchor="t" anchorCtr="0">
             <a:normAutofit/>
           </a:bodyPr>
           <a:lstStyle>
@@ -2395,15 +2539,19 @@
               <a:defRPr/>
             </a:lvl9pPr>
           </a:lstStyle>
-          <a:p/>
+          <a:p>
+            <a:endParaRPr/>
+          </a:p>
         </p:txBody>
       </p:sp>
       <p:sp>
         <p:nvSpPr>
           <p:cNvPr id="18" name="Google Shape;18;p4"/>
-          <p:cNvSpPr txBox="1"/>
+          <p:cNvSpPr txBox="1">
+            <a:spLocks noGrp="1"/>
+          </p:cNvSpPr>
           <p:nvPr>
-            <p:ph idx="1" type="body"/>
+            <p:ph type="body" idx="1"/>
           </p:nvPr>
         </p:nvSpPr>
         <p:spPr>
@@ -2416,11 +2564,11 @@
           </a:prstGeom>
         </p:spPr>
         <p:txBody>
-          <a:bodyPr anchorCtr="0" anchor="t" bIns="91425" lIns="91425" spcFirstLastPara="1" rIns="91425" wrap="square" tIns="91425">
+          <a:bodyPr spcFirstLastPara="1" wrap="square" lIns="91425" tIns="91425" rIns="91425" bIns="91425" anchor="t" anchorCtr="0">
             <a:normAutofit/>
           </a:bodyPr>
           <a:lstStyle>
-            <a:lvl1pPr indent="-342900" lvl="0" marL="457200">
+            <a:lvl1pPr marL="457200" lvl="0" indent="-342900">
               <a:spcBef>
                 <a:spcPts val="0"/>
               </a:spcBef>
@@ -2431,7 +2579,7 @@
               <a:buChar char="●"/>
               <a:defRPr/>
             </a:lvl1pPr>
-            <a:lvl2pPr indent="-317500" lvl="1" marL="914400">
+            <a:lvl2pPr marL="914400" lvl="1" indent="-317500">
               <a:spcBef>
                 <a:spcPts val="0"/>
               </a:spcBef>
@@ -2442,7 +2590,7 @@
               <a:buChar char="○"/>
               <a:defRPr/>
             </a:lvl2pPr>
-            <a:lvl3pPr indent="-317500" lvl="2" marL="1371600">
+            <a:lvl3pPr marL="1371600" lvl="2" indent="-317500">
               <a:spcBef>
                 <a:spcPts val="0"/>
               </a:spcBef>
@@ -2453,7 +2601,7 @@
               <a:buChar char="■"/>
               <a:defRPr/>
             </a:lvl3pPr>
-            <a:lvl4pPr indent="-317500" lvl="3" marL="1828800">
+            <a:lvl4pPr marL="1828800" lvl="3" indent="-317500">
               <a:spcBef>
                 <a:spcPts val="0"/>
               </a:spcBef>
@@ -2464,7 +2612,7 @@
               <a:buChar char="●"/>
               <a:defRPr/>
             </a:lvl4pPr>
-            <a:lvl5pPr indent="-317500" lvl="4" marL="2286000">
+            <a:lvl5pPr marL="2286000" lvl="4" indent="-317500">
               <a:spcBef>
                 <a:spcPts val="0"/>
               </a:spcBef>
@@ -2475,7 +2623,7 @@
               <a:buChar char="○"/>
               <a:defRPr/>
             </a:lvl5pPr>
-            <a:lvl6pPr indent="-317500" lvl="5" marL="2743200">
+            <a:lvl6pPr marL="2743200" lvl="5" indent="-317500">
               <a:spcBef>
                 <a:spcPts val="0"/>
               </a:spcBef>
@@ -2486,7 +2634,7 @@
               <a:buChar char="■"/>
               <a:defRPr/>
             </a:lvl6pPr>
-            <a:lvl7pPr indent="-317500" lvl="6" marL="3200400">
+            <a:lvl7pPr marL="3200400" lvl="6" indent="-317500">
               <a:spcBef>
                 <a:spcPts val="0"/>
               </a:spcBef>
@@ -2497,7 +2645,7 @@
               <a:buChar char="●"/>
               <a:defRPr/>
             </a:lvl7pPr>
-            <a:lvl8pPr indent="-317500" lvl="7" marL="3657600">
+            <a:lvl8pPr marL="3657600" lvl="7" indent="-317500">
               <a:spcBef>
                 <a:spcPts val="0"/>
               </a:spcBef>
@@ -2508,7 +2656,7 @@
               <a:buChar char="○"/>
               <a:defRPr/>
             </a:lvl8pPr>
-            <a:lvl9pPr indent="-317500" lvl="8" marL="4114800">
+            <a:lvl9pPr marL="4114800" lvl="8" indent="-317500">
               <a:spcBef>
                 <a:spcPts val="0"/>
               </a:spcBef>
@@ -2520,15 +2668,19 @@
               <a:defRPr/>
             </a:lvl9pPr>
           </a:lstStyle>
-          <a:p/>
+          <a:p>
+            <a:endParaRPr/>
+          </a:p>
         </p:txBody>
       </p:sp>
       <p:sp>
         <p:nvSpPr>
           <p:cNvPr id="19" name="Google Shape;19;p4"/>
-          <p:cNvSpPr txBox="1"/>
+          <p:cNvSpPr txBox="1">
+            <a:spLocks noGrp="1"/>
+          </p:cNvSpPr>
           <p:nvPr>
-            <p:ph idx="12" type="sldNum"/>
+            <p:ph type="sldNum" idx="12"/>
           </p:nvPr>
         </p:nvSpPr>
         <p:spPr>
@@ -2541,7 +2693,7 @@
           </a:prstGeom>
         </p:spPr>
         <p:txBody>
-          <a:bodyPr anchorCtr="0" anchor="ctr" bIns="91425" lIns="91425" spcFirstLastPara="1" rIns="91425" wrap="square" tIns="91425">
+          <a:bodyPr spcFirstLastPara="1" wrap="square" lIns="91425" tIns="91425" rIns="91425" bIns="91425" anchor="ctr" anchorCtr="0">
             <a:normAutofit/>
           </a:bodyPr>
           <a:lstStyle>
@@ -2583,7 +2735,7 @@
             </a:lvl9pPr>
           </a:lstStyle>
           <a:p>
-            <a:pPr indent="0" lvl="0" marL="0" rtl="0" algn="r">
+            <a:pPr marL="0" lvl="0" indent="0" algn="r" rtl="0">
               <a:spcBef>
                 <a:spcPts val="0"/>
               </a:spcBef>
@@ -2609,11 +2761,11 @@
 </file>
 
 <file path=ppt/slideLayouts/slideLayout4.xml><?xml version="1.0" encoding="utf-8"?>
-<p:sldLayout xmlns:a="http://schemas.openxmlformats.org/drawingml/2006/main" xmlns:r="http://schemas.openxmlformats.org/officeDocument/2006/relationships" xmlns:mc="http://schemas.openxmlformats.org/markup-compatibility/2006" xmlns:mv="urn:schemas-microsoft-com:mac:vml" xmlns:p="http://schemas.openxmlformats.org/presentationml/2006/main" xmlns:c="http://schemas.openxmlformats.org/drawingml/2006/chart" xmlns:dgm="http://schemas.openxmlformats.org/drawingml/2006/diagram" xmlns:o="urn:schemas-microsoft-com:office:office" xmlns:v="urn:schemas-microsoft-com:vml" xmlns:pvml="urn:schemas-microsoft-com:office:powerpoint" xmlns:com="http://schemas.openxmlformats.org/drawingml/2006/compatibility" xmlns:p14="http://schemas.microsoft.com/office/powerpoint/2010/main" xmlns:p15="http://schemas.microsoft.com/office/powerpoint/2012/main" xmlns:ahyp="http://schemas.microsoft.com/office/drawing/2018/hyperlinkcolor" matchingName="Title and two columns" type="twoColTx">
+<p:sldLayout xmlns:a="http://schemas.openxmlformats.org/drawingml/2006/main" xmlns:r="http://schemas.openxmlformats.org/officeDocument/2006/relationships" xmlns:p="http://schemas.openxmlformats.org/presentationml/2006/main" matchingName="Title and two columns" type="twoColTx">
   <p:cSld name="TITLE_AND_TWO_COLUMNS">
     <p:spTree>
       <p:nvGrpSpPr>
-        <p:cNvPr id="20" name="Shape 20"/>
+        <p:cNvPr id="1" name="Shape 20"/>
         <p:cNvGrpSpPr/>
         <p:nvPr/>
       </p:nvGrpSpPr>
@@ -2628,7 +2780,9 @@
       <p:sp>
         <p:nvSpPr>
           <p:cNvPr id="21" name="Google Shape;21;p5"/>
-          <p:cNvSpPr txBox="1"/>
+          <p:cNvSpPr txBox="1">
+            <a:spLocks noGrp="1"/>
+          </p:cNvSpPr>
           <p:nvPr>
             <p:ph type="title"/>
           </p:nvPr>
@@ -2643,7 +2797,7 @@
           </a:prstGeom>
         </p:spPr>
         <p:txBody>
-          <a:bodyPr anchorCtr="0" anchor="t" bIns="91425" lIns="91425" spcFirstLastPara="1" rIns="91425" wrap="square" tIns="91425">
+          <a:bodyPr spcFirstLastPara="1" wrap="square" lIns="91425" tIns="91425" rIns="91425" bIns="91425" anchor="t" anchorCtr="0">
             <a:normAutofit/>
           </a:bodyPr>
           <a:lstStyle>
@@ -2747,15 +2901,19 @@
               <a:defRPr/>
             </a:lvl9pPr>
           </a:lstStyle>
-          <a:p/>
+          <a:p>
+            <a:endParaRPr/>
+          </a:p>
         </p:txBody>
       </p:sp>
       <p:sp>
         <p:nvSpPr>
           <p:cNvPr id="22" name="Google Shape;22;p5"/>
-          <p:cNvSpPr txBox="1"/>
+          <p:cNvSpPr txBox="1">
+            <a:spLocks noGrp="1"/>
+          </p:cNvSpPr>
           <p:nvPr>
-            <p:ph idx="1" type="body"/>
+            <p:ph type="body" idx="1"/>
           </p:nvPr>
         </p:nvSpPr>
         <p:spPr>
@@ -2768,11 +2926,11 @@
           </a:prstGeom>
         </p:spPr>
         <p:txBody>
-          <a:bodyPr anchorCtr="0" anchor="t" bIns="91425" lIns="91425" spcFirstLastPara="1" rIns="91425" wrap="square" tIns="91425">
+          <a:bodyPr spcFirstLastPara="1" wrap="square" lIns="91425" tIns="91425" rIns="91425" bIns="91425" anchor="t" anchorCtr="0">
             <a:normAutofit/>
           </a:bodyPr>
           <a:lstStyle>
-            <a:lvl1pPr indent="-317500" lvl="0" marL="457200">
+            <a:lvl1pPr marL="457200" lvl="0" indent="-317500">
               <a:spcBef>
                 <a:spcPts val="0"/>
               </a:spcBef>
@@ -2783,7 +2941,7 @@
               <a:buChar char="●"/>
               <a:defRPr sz="1400"/>
             </a:lvl1pPr>
-            <a:lvl2pPr indent="-304800" lvl="1" marL="914400">
+            <a:lvl2pPr marL="914400" lvl="1" indent="-304800">
               <a:spcBef>
                 <a:spcPts val="0"/>
               </a:spcBef>
@@ -2794,7 +2952,7 @@
               <a:buChar char="○"/>
               <a:defRPr sz="1200"/>
             </a:lvl2pPr>
-            <a:lvl3pPr indent="-304800" lvl="2" marL="1371600">
+            <a:lvl3pPr marL="1371600" lvl="2" indent="-304800">
               <a:spcBef>
                 <a:spcPts val="0"/>
               </a:spcBef>
@@ -2805,7 +2963,7 @@
               <a:buChar char="■"/>
               <a:defRPr sz="1200"/>
             </a:lvl3pPr>
-            <a:lvl4pPr indent="-304800" lvl="3" marL="1828800">
+            <a:lvl4pPr marL="1828800" lvl="3" indent="-304800">
               <a:spcBef>
                 <a:spcPts val="0"/>
               </a:spcBef>
@@ -2816,7 +2974,7 @@
               <a:buChar char="●"/>
               <a:defRPr sz="1200"/>
             </a:lvl4pPr>
-            <a:lvl5pPr indent="-304800" lvl="4" marL="2286000">
+            <a:lvl5pPr marL="2286000" lvl="4" indent="-304800">
               <a:spcBef>
                 <a:spcPts val="0"/>
               </a:spcBef>
@@ -2827,7 +2985,7 @@
               <a:buChar char="○"/>
               <a:defRPr sz="1200"/>
             </a:lvl5pPr>
-            <a:lvl6pPr indent="-304800" lvl="5" marL="2743200">
+            <a:lvl6pPr marL="2743200" lvl="5" indent="-304800">
               <a:spcBef>
                 <a:spcPts val="0"/>
               </a:spcBef>
@@ -2838,7 +2996,7 @@
               <a:buChar char="■"/>
               <a:defRPr sz="1200"/>
             </a:lvl6pPr>
-            <a:lvl7pPr indent="-304800" lvl="6" marL="3200400">
+            <a:lvl7pPr marL="3200400" lvl="6" indent="-304800">
               <a:spcBef>
                 <a:spcPts val="0"/>
               </a:spcBef>
@@ -2849,7 +3007,7 @@
               <a:buChar char="●"/>
               <a:defRPr sz="1200"/>
             </a:lvl7pPr>
-            <a:lvl8pPr indent="-304800" lvl="7" marL="3657600">
+            <a:lvl8pPr marL="3657600" lvl="7" indent="-304800">
               <a:spcBef>
                 <a:spcPts val="0"/>
               </a:spcBef>
@@ -2860,7 +3018,7 @@
               <a:buChar char="○"/>
               <a:defRPr sz="1200"/>
             </a:lvl8pPr>
-            <a:lvl9pPr indent="-304800" lvl="8" marL="4114800">
+            <a:lvl9pPr marL="4114800" lvl="8" indent="-304800">
               <a:spcBef>
                 <a:spcPts val="0"/>
               </a:spcBef>
@@ -2872,15 +3030,19 @@
               <a:defRPr sz="1200"/>
             </a:lvl9pPr>
           </a:lstStyle>
-          <a:p/>
+          <a:p>
+            <a:endParaRPr/>
+          </a:p>
         </p:txBody>
       </p:sp>
       <p:sp>
         <p:nvSpPr>
           <p:cNvPr id="23" name="Google Shape;23;p5"/>
-          <p:cNvSpPr txBox="1"/>
+          <p:cNvSpPr txBox="1">
+            <a:spLocks noGrp="1"/>
+          </p:cNvSpPr>
           <p:nvPr>
-            <p:ph idx="2" type="body"/>
+            <p:ph type="body" idx="2"/>
           </p:nvPr>
         </p:nvSpPr>
         <p:spPr>
@@ -2893,11 +3055,11 @@
           </a:prstGeom>
         </p:spPr>
         <p:txBody>
-          <a:bodyPr anchorCtr="0" anchor="t" bIns="91425" lIns="91425" spcFirstLastPara="1" rIns="91425" wrap="square" tIns="91425">
+          <a:bodyPr spcFirstLastPara="1" wrap="square" lIns="91425" tIns="91425" rIns="91425" bIns="91425" anchor="t" anchorCtr="0">
             <a:normAutofit/>
           </a:bodyPr>
           <a:lstStyle>
-            <a:lvl1pPr indent="-317500" lvl="0" marL="457200">
+            <a:lvl1pPr marL="457200" lvl="0" indent="-317500">
               <a:spcBef>
                 <a:spcPts val="0"/>
               </a:spcBef>
@@ -2908,7 +3070,7 @@
               <a:buChar char="●"/>
               <a:defRPr sz="1400"/>
             </a:lvl1pPr>
-            <a:lvl2pPr indent="-304800" lvl="1" marL="914400">
+            <a:lvl2pPr marL="914400" lvl="1" indent="-304800">
               <a:spcBef>
                 <a:spcPts val="0"/>
               </a:spcBef>
@@ -2919,7 +3081,7 @@
               <a:buChar char="○"/>
               <a:defRPr sz="1200"/>
             </a:lvl2pPr>
-            <a:lvl3pPr indent="-304800" lvl="2" marL="1371600">
+            <a:lvl3pPr marL="1371600" lvl="2" indent="-304800">
               <a:spcBef>
                 <a:spcPts val="0"/>
               </a:spcBef>
@@ -2930,7 +3092,7 @@
               <a:buChar char="■"/>
               <a:defRPr sz="1200"/>
             </a:lvl3pPr>
-            <a:lvl4pPr indent="-304800" lvl="3" marL="1828800">
+            <a:lvl4pPr marL="1828800" lvl="3" indent="-304800">
               <a:spcBef>
                 <a:spcPts val="0"/>
               </a:spcBef>
@@ -2941,7 +3103,7 @@
               <a:buChar char="●"/>
               <a:defRPr sz="1200"/>
             </a:lvl4pPr>
-            <a:lvl5pPr indent="-304800" lvl="4" marL="2286000">
+            <a:lvl5pPr marL="2286000" lvl="4" indent="-304800">
               <a:spcBef>
                 <a:spcPts val="0"/>
               </a:spcBef>
@@ -2952,7 +3114,7 @@
               <a:buChar char="○"/>
               <a:defRPr sz="1200"/>
             </a:lvl5pPr>
-            <a:lvl6pPr indent="-304800" lvl="5" marL="2743200">
+            <a:lvl6pPr marL="2743200" lvl="5" indent="-304800">
               <a:spcBef>
                 <a:spcPts val="0"/>
               </a:spcBef>
@@ -2963,7 +3125,7 @@
               <a:buChar char="■"/>
               <a:defRPr sz="1200"/>
             </a:lvl6pPr>
-            <a:lvl7pPr indent="-304800" lvl="6" marL="3200400">
+            <a:lvl7pPr marL="3200400" lvl="6" indent="-304800">
               <a:spcBef>
                 <a:spcPts val="0"/>
               </a:spcBef>
@@ -2974,7 +3136,7 @@
               <a:buChar char="●"/>
               <a:defRPr sz="1200"/>
             </a:lvl7pPr>
-            <a:lvl8pPr indent="-304800" lvl="7" marL="3657600">
+            <a:lvl8pPr marL="3657600" lvl="7" indent="-304800">
               <a:spcBef>
                 <a:spcPts val="0"/>
               </a:spcBef>
@@ -2985,7 +3147,7 @@
               <a:buChar char="○"/>
               <a:defRPr sz="1200"/>
             </a:lvl8pPr>
-            <a:lvl9pPr indent="-304800" lvl="8" marL="4114800">
+            <a:lvl9pPr marL="4114800" lvl="8" indent="-304800">
               <a:spcBef>
                 <a:spcPts val="0"/>
               </a:spcBef>
@@ -2997,15 +3159,19 @@
               <a:defRPr sz="1200"/>
             </a:lvl9pPr>
           </a:lstStyle>
-          <a:p/>
+          <a:p>
+            <a:endParaRPr/>
+          </a:p>
         </p:txBody>
       </p:sp>
       <p:sp>
         <p:nvSpPr>
           <p:cNvPr id="24" name="Google Shape;24;p5"/>
-          <p:cNvSpPr txBox="1"/>
+          <p:cNvSpPr txBox="1">
+            <a:spLocks noGrp="1"/>
+          </p:cNvSpPr>
           <p:nvPr>
-            <p:ph idx="12" type="sldNum"/>
+            <p:ph type="sldNum" idx="12"/>
           </p:nvPr>
         </p:nvSpPr>
         <p:spPr>
@@ -3018,7 +3184,7 @@
           </a:prstGeom>
         </p:spPr>
         <p:txBody>
-          <a:bodyPr anchorCtr="0" anchor="ctr" bIns="91425" lIns="91425" spcFirstLastPara="1" rIns="91425" wrap="square" tIns="91425">
+          <a:bodyPr spcFirstLastPara="1" wrap="square" lIns="91425" tIns="91425" rIns="91425" bIns="91425" anchor="ctr" anchorCtr="0">
             <a:normAutofit/>
           </a:bodyPr>
           <a:lstStyle>
@@ -3060,7 +3226,7 @@
             </a:lvl9pPr>
           </a:lstStyle>
           <a:p>
-            <a:pPr indent="0" lvl="0" marL="0" rtl="0" algn="r">
+            <a:pPr marL="0" lvl="0" indent="0" algn="r" rtl="0">
               <a:spcBef>
                 <a:spcPts val="0"/>
               </a:spcBef>
@@ -3086,11 +3252,11 @@
 </file>
 
 <file path=ppt/slideLayouts/slideLayout5.xml><?xml version="1.0" encoding="utf-8"?>
-<p:sldLayout xmlns:a="http://schemas.openxmlformats.org/drawingml/2006/main" xmlns:r="http://schemas.openxmlformats.org/officeDocument/2006/relationships" xmlns:mc="http://schemas.openxmlformats.org/markup-compatibility/2006" xmlns:mv="urn:schemas-microsoft-com:mac:vml" xmlns:p="http://schemas.openxmlformats.org/presentationml/2006/main" xmlns:c="http://schemas.openxmlformats.org/drawingml/2006/chart" xmlns:dgm="http://schemas.openxmlformats.org/drawingml/2006/diagram" xmlns:o="urn:schemas-microsoft-com:office:office" xmlns:v="urn:schemas-microsoft-com:vml" xmlns:pvml="urn:schemas-microsoft-com:office:powerpoint" xmlns:com="http://schemas.openxmlformats.org/drawingml/2006/compatibility" xmlns:p14="http://schemas.microsoft.com/office/powerpoint/2010/main" xmlns:p15="http://schemas.microsoft.com/office/powerpoint/2012/main" xmlns:ahyp="http://schemas.microsoft.com/office/drawing/2018/hyperlinkcolor" matchingName="Title only" type="titleOnly">
+<p:sldLayout xmlns:a="http://schemas.openxmlformats.org/drawingml/2006/main" xmlns:r="http://schemas.openxmlformats.org/officeDocument/2006/relationships" xmlns:p="http://schemas.openxmlformats.org/presentationml/2006/main" matchingName="Title only" type="titleOnly">
   <p:cSld name="TITLE_ONLY">
     <p:spTree>
       <p:nvGrpSpPr>
-        <p:cNvPr id="25" name="Shape 25"/>
+        <p:cNvPr id="1" name="Shape 25"/>
         <p:cNvGrpSpPr/>
         <p:nvPr/>
       </p:nvGrpSpPr>
@@ -3105,7 +3271,9 @@
       <p:sp>
         <p:nvSpPr>
           <p:cNvPr id="26" name="Google Shape;26;p6"/>
-          <p:cNvSpPr txBox="1"/>
+          <p:cNvSpPr txBox="1">
+            <a:spLocks noGrp="1"/>
+          </p:cNvSpPr>
           <p:nvPr>
             <p:ph type="title"/>
           </p:nvPr>
@@ -3120,7 +3288,7 @@
           </a:prstGeom>
         </p:spPr>
         <p:txBody>
-          <a:bodyPr anchorCtr="0" anchor="t" bIns="91425" lIns="91425" spcFirstLastPara="1" rIns="91425" wrap="square" tIns="91425">
+          <a:bodyPr spcFirstLastPara="1" wrap="square" lIns="91425" tIns="91425" rIns="91425" bIns="91425" anchor="t" anchorCtr="0">
             <a:normAutofit/>
           </a:bodyPr>
           <a:lstStyle>
@@ -3224,15 +3392,19 @@
               <a:defRPr/>
             </a:lvl9pPr>
           </a:lstStyle>
-          <a:p/>
+          <a:p>
+            <a:endParaRPr/>
+          </a:p>
         </p:txBody>
       </p:sp>
       <p:sp>
         <p:nvSpPr>
           <p:cNvPr id="27" name="Google Shape;27;p6"/>
-          <p:cNvSpPr txBox="1"/>
+          <p:cNvSpPr txBox="1">
+            <a:spLocks noGrp="1"/>
+          </p:cNvSpPr>
           <p:nvPr>
-            <p:ph idx="12" type="sldNum"/>
+            <p:ph type="sldNum" idx="12"/>
           </p:nvPr>
         </p:nvSpPr>
         <p:spPr>
@@ -3245,7 +3417,7 @@
           </a:prstGeom>
         </p:spPr>
         <p:txBody>
-          <a:bodyPr anchorCtr="0" anchor="ctr" bIns="91425" lIns="91425" spcFirstLastPara="1" rIns="91425" wrap="square" tIns="91425">
+          <a:bodyPr spcFirstLastPara="1" wrap="square" lIns="91425" tIns="91425" rIns="91425" bIns="91425" anchor="ctr" anchorCtr="0">
             <a:normAutofit/>
           </a:bodyPr>
           <a:lstStyle>
@@ -3287,7 +3459,7 @@
             </a:lvl9pPr>
           </a:lstStyle>
           <a:p>
-            <a:pPr indent="0" lvl="0" marL="0" rtl="0" algn="r">
+            <a:pPr marL="0" lvl="0" indent="0" algn="r" rtl="0">
               <a:spcBef>
                 <a:spcPts val="0"/>
               </a:spcBef>
@@ -3313,11 +3485,11 @@
 </file>
 
 <file path=ppt/slideLayouts/slideLayout6.xml><?xml version="1.0" encoding="utf-8"?>
-<p:sldLayout xmlns:a="http://schemas.openxmlformats.org/drawingml/2006/main" xmlns:r="http://schemas.openxmlformats.org/officeDocument/2006/relationships" xmlns:mc="http://schemas.openxmlformats.org/markup-compatibility/2006" xmlns:mv="urn:schemas-microsoft-com:mac:vml" xmlns:p="http://schemas.openxmlformats.org/presentationml/2006/main" xmlns:c="http://schemas.openxmlformats.org/drawingml/2006/chart" xmlns:dgm="http://schemas.openxmlformats.org/drawingml/2006/diagram" xmlns:o="urn:schemas-microsoft-com:office:office" xmlns:v="urn:schemas-microsoft-com:vml" xmlns:pvml="urn:schemas-microsoft-com:office:powerpoint" xmlns:com="http://schemas.openxmlformats.org/drawingml/2006/compatibility" xmlns:p14="http://schemas.microsoft.com/office/powerpoint/2010/main" xmlns:p15="http://schemas.microsoft.com/office/powerpoint/2012/main" xmlns:ahyp="http://schemas.microsoft.com/office/drawing/2018/hyperlinkcolor" matchingName="One column text">
+<p:sldLayout xmlns:a="http://schemas.openxmlformats.org/drawingml/2006/main" xmlns:r="http://schemas.openxmlformats.org/officeDocument/2006/relationships" xmlns:p="http://schemas.openxmlformats.org/presentationml/2006/main" matchingName="One column text">
   <p:cSld name="ONE_COLUMN_TEXT">
     <p:spTree>
       <p:nvGrpSpPr>
-        <p:cNvPr id="28" name="Shape 28"/>
+        <p:cNvPr id="1" name="Shape 28"/>
         <p:cNvGrpSpPr/>
         <p:nvPr/>
       </p:nvGrpSpPr>
@@ -3332,7 +3504,9 @@
       <p:sp>
         <p:nvSpPr>
           <p:cNvPr id="29" name="Google Shape;29;p7"/>
-          <p:cNvSpPr txBox="1"/>
+          <p:cNvSpPr txBox="1">
+            <a:spLocks noGrp="1"/>
+          </p:cNvSpPr>
           <p:nvPr>
             <p:ph type="title"/>
           </p:nvPr>
@@ -3347,7 +3521,7 @@
           </a:prstGeom>
         </p:spPr>
         <p:txBody>
-          <a:bodyPr anchorCtr="0" anchor="b" bIns="91425" lIns="91425" spcFirstLastPara="1" rIns="91425" wrap="square" tIns="91425">
+          <a:bodyPr spcFirstLastPara="1" wrap="square" lIns="91425" tIns="91425" rIns="91425" bIns="91425" anchor="b" anchorCtr="0">
             <a:normAutofit/>
           </a:bodyPr>
           <a:lstStyle>
@@ -3451,15 +3625,19 @@
               <a:defRPr sz="2400"/>
             </a:lvl9pPr>
           </a:lstStyle>
-          <a:p/>
+          <a:p>
+            <a:endParaRPr/>
+          </a:p>
         </p:txBody>
       </p:sp>
       <p:sp>
         <p:nvSpPr>
           <p:cNvPr id="30" name="Google Shape;30;p7"/>
-          <p:cNvSpPr txBox="1"/>
+          <p:cNvSpPr txBox="1">
+            <a:spLocks noGrp="1"/>
+          </p:cNvSpPr>
           <p:nvPr>
-            <p:ph idx="1" type="body"/>
+            <p:ph type="body" idx="1"/>
           </p:nvPr>
         </p:nvSpPr>
         <p:spPr>
@@ -3472,11 +3650,11 @@
           </a:prstGeom>
         </p:spPr>
         <p:txBody>
-          <a:bodyPr anchorCtr="0" anchor="t" bIns="91425" lIns="91425" spcFirstLastPara="1" rIns="91425" wrap="square" tIns="91425">
+          <a:bodyPr spcFirstLastPara="1" wrap="square" lIns="91425" tIns="91425" rIns="91425" bIns="91425" anchor="t" anchorCtr="0">
             <a:normAutofit/>
           </a:bodyPr>
           <a:lstStyle>
-            <a:lvl1pPr indent="-304800" lvl="0" marL="457200">
+            <a:lvl1pPr marL="457200" lvl="0" indent="-304800">
               <a:spcBef>
                 <a:spcPts val="0"/>
               </a:spcBef>
@@ -3487,7 +3665,7 @@
               <a:buChar char="●"/>
               <a:defRPr sz="1200"/>
             </a:lvl1pPr>
-            <a:lvl2pPr indent="-304800" lvl="1" marL="914400">
+            <a:lvl2pPr marL="914400" lvl="1" indent="-304800">
               <a:spcBef>
                 <a:spcPts val="0"/>
               </a:spcBef>
@@ -3498,7 +3676,7 @@
               <a:buChar char="○"/>
               <a:defRPr sz="1200"/>
             </a:lvl2pPr>
-            <a:lvl3pPr indent="-304800" lvl="2" marL="1371600">
+            <a:lvl3pPr marL="1371600" lvl="2" indent="-304800">
               <a:spcBef>
                 <a:spcPts val="0"/>
               </a:spcBef>
@@ -3509,7 +3687,7 @@
               <a:buChar char="■"/>
               <a:defRPr sz="1200"/>
             </a:lvl3pPr>
-            <a:lvl4pPr indent="-304800" lvl="3" marL="1828800">
+            <a:lvl4pPr marL="1828800" lvl="3" indent="-304800">
               <a:spcBef>
                 <a:spcPts val="0"/>
               </a:spcBef>
@@ -3520,7 +3698,7 @@
               <a:buChar char="●"/>
               <a:defRPr sz="1200"/>
             </a:lvl4pPr>
-            <a:lvl5pPr indent="-304800" lvl="4" marL="2286000">
+            <a:lvl5pPr marL="2286000" lvl="4" indent="-304800">
               <a:spcBef>
                 <a:spcPts val="0"/>
               </a:spcBef>
@@ -3531,7 +3709,7 @@
               <a:buChar char="○"/>
               <a:defRPr sz="1200"/>
             </a:lvl5pPr>
-            <a:lvl6pPr indent="-304800" lvl="5" marL="2743200">
+            <a:lvl6pPr marL="2743200" lvl="5" indent="-304800">
               <a:spcBef>
                 <a:spcPts val="0"/>
               </a:spcBef>
@@ -3542,7 +3720,7 @@
               <a:buChar char="■"/>
               <a:defRPr sz="1200"/>
             </a:lvl6pPr>
-            <a:lvl7pPr indent="-304800" lvl="6" marL="3200400">
+            <a:lvl7pPr marL="3200400" lvl="6" indent="-304800">
               <a:spcBef>
                 <a:spcPts val="0"/>
               </a:spcBef>
@@ -3553,7 +3731,7 @@
               <a:buChar char="●"/>
               <a:defRPr sz="1200"/>
             </a:lvl7pPr>
-            <a:lvl8pPr indent="-304800" lvl="7" marL="3657600">
+            <a:lvl8pPr marL="3657600" lvl="7" indent="-304800">
               <a:spcBef>
                 <a:spcPts val="0"/>
               </a:spcBef>
@@ -3564,7 +3742,7 @@
               <a:buChar char="○"/>
               <a:defRPr sz="1200"/>
             </a:lvl8pPr>
-            <a:lvl9pPr indent="-304800" lvl="8" marL="4114800">
+            <a:lvl9pPr marL="4114800" lvl="8" indent="-304800">
               <a:spcBef>
                 <a:spcPts val="0"/>
               </a:spcBef>
@@ -3576,15 +3754,19 @@
               <a:defRPr sz="1200"/>
             </a:lvl9pPr>
           </a:lstStyle>
-          <a:p/>
+          <a:p>
+            <a:endParaRPr/>
+          </a:p>
         </p:txBody>
       </p:sp>
       <p:sp>
         <p:nvSpPr>
           <p:cNvPr id="31" name="Google Shape;31;p7"/>
-          <p:cNvSpPr txBox="1"/>
+          <p:cNvSpPr txBox="1">
+            <a:spLocks noGrp="1"/>
+          </p:cNvSpPr>
           <p:nvPr>
-            <p:ph idx="12" type="sldNum"/>
+            <p:ph type="sldNum" idx="12"/>
           </p:nvPr>
         </p:nvSpPr>
         <p:spPr>
@@ -3597,7 +3779,7 @@
           </a:prstGeom>
         </p:spPr>
         <p:txBody>
-          <a:bodyPr anchorCtr="0" anchor="ctr" bIns="91425" lIns="91425" spcFirstLastPara="1" rIns="91425" wrap="square" tIns="91425">
+          <a:bodyPr spcFirstLastPara="1" wrap="square" lIns="91425" tIns="91425" rIns="91425" bIns="91425" anchor="ctr" anchorCtr="0">
             <a:normAutofit/>
           </a:bodyPr>
           <a:lstStyle>
@@ -3639,7 +3821,7 @@
             </a:lvl9pPr>
           </a:lstStyle>
           <a:p>
-            <a:pPr indent="0" lvl="0" marL="0" rtl="0" algn="r">
+            <a:pPr marL="0" lvl="0" indent="0" algn="r" rtl="0">
               <a:spcBef>
                 <a:spcPts val="0"/>
               </a:spcBef>
@@ -3665,11 +3847,11 @@
 </file>
 
 <file path=ppt/slideLayouts/slideLayout7.xml><?xml version="1.0" encoding="utf-8"?>
-<p:sldLayout xmlns:a="http://schemas.openxmlformats.org/drawingml/2006/main" xmlns:r="http://schemas.openxmlformats.org/officeDocument/2006/relationships" xmlns:mc="http://schemas.openxmlformats.org/markup-compatibility/2006" xmlns:mv="urn:schemas-microsoft-com:mac:vml" xmlns:p="http://schemas.openxmlformats.org/presentationml/2006/main" xmlns:c="http://schemas.openxmlformats.org/drawingml/2006/chart" xmlns:dgm="http://schemas.openxmlformats.org/drawingml/2006/diagram" xmlns:o="urn:schemas-microsoft-com:office:office" xmlns:v="urn:schemas-microsoft-com:vml" xmlns:pvml="urn:schemas-microsoft-com:office:powerpoint" xmlns:com="http://schemas.openxmlformats.org/drawingml/2006/compatibility" xmlns:p14="http://schemas.microsoft.com/office/powerpoint/2010/main" xmlns:p15="http://schemas.microsoft.com/office/powerpoint/2012/main" xmlns:ahyp="http://schemas.microsoft.com/office/drawing/2018/hyperlinkcolor" matchingName="Main point">
+<p:sldLayout xmlns:a="http://schemas.openxmlformats.org/drawingml/2006/main" xmlns:r="http://schemas.openxmlformats.org/officeDocument/2006/relationships" xmlns:p="http://schemas.openxmlformats.org/presentationml/2006/main" matchingName="Main point">
   <p:cSld name="MAIN_POINT">
     <p:spTree>
       <p:nvGrpSpPr>
-        <p:cNvPr id="32" name="Shape 32"/>
+        <p:cNvPr id="1" name="Shape 32"/>
         <p:cNvGrpSpPr/>
         <p:nvPr/>
       </p:nvGrpSpPr>
@@ -3684,7 +3866,9 @@
       <p:sp>
         <p:nvSpPr>
           <p:cNvPr id="33" name="Google Shape;33;p8"/>
-          <p:cNvSpPr txBox="1"/>
+          <p:cNvSpPr txBox="1">
+            <a:spLocks noGrp="1"/>
+          </p:cNvSpPr>
           <p:nvPr>
             <p:ph type="title"/>
           </p:nvPr>
@@ -3699,7 +3883,7 @@
           </a:prstGeom>
         </p:spPr>
         <p:txBody>
-          <a:bodyPr anchorCtr="0" anchor="ctr" bIns="91425" lIns="91425" spcFirstLastPara="1" rIns="91425" wrap="square" tIns="91425">
+          <a:bodyPr spcFirstLastPara="1" wrap="square" lIns="91425" tIns="91425" rIns="91425" bIns="91425" anchor="ctr" anchorCtr="0">
             <a:normAutofit/>
           </a:bodyPr>
           <a:lstStyle>
@@ -3803,15 +3987,19 @@
               <a:defRPr sz="4800"/>
             </a:lvl9pPr>
           </a:lstStyle>
-          <a:p/>
+          <a:p>
+            <a:endParaRPr/>
+          </a:p>
         </p:txBody>
       </p:sp>
       <p:sp>
         <p:nvSpPr>
           <p:cNvPr id="34" name="Google Shape;34;p8"/>
-          <p:cNvSpPr txBox="1"/>
+          <p:cNvSpPr txBox="1">
+            <a:spLocks noGrp="1"/>
+          </p:cNvSpPr>
           <p:nvPr>
-            <p:ph idx="12" type="sldNum"/>
+            <p:ph type="sldNum" idx="12"/>
           </p:nvPr>
         </p:nvSpPr>
         <p:spPr>
@@ -3824,7 +4012,7 @@
           </a:prstGeom>
         </p:spPr>
         <p:txBody>
-          <a:bodyPr anchorCtr="0" anchor="ctr" bIns="91425" lIns="91425" spcFirstLastPara="1" rIns="91425" wrap="square" tIns="91425">
+          <a:bodyPr spcFirstLastPara="1" wrap="square" lIns="91425" tIns="91425" rIns="91425" bIns="91425" anchor="ctr" anchorCtr="0">
             <a:normAutofit/>
           </a:bodyPr>
           <a:lstStyle>
@@ -3866,7 +4054,7 @@
             </a:lvl9pPr>
           </a:lstStyle>
           <a:p>
-            <a:pPr indent="0" lvl="0" marL="0" rtl="0" algn="r">
+            <a:pPr marL="0" lvl="0" indent="0" algn="r" rtl="0">
               <a:spcBef>
                 <a:spcPts val="0"/>
               </a:spcBef>
@@ -3892,11 +4080,11 @@
 </file>
 
 <file path=ppt/slideLayouts/slideLayout8.xml><?xml version="1.0" encoding="utf-8"?>
-<p:sldLayout xmlns:a="http://schemas.openxmlformats.org/drawingml/2006/main" xmlns:r="http://schemas.openxmlformats.org/officeDocument/2006/relationships" xmlns:mc="http://schemas.openxmlformats.org/markup-compatibility/2006" xmlns:mv="urn:schemas-microsoft-com:mac:vml" xmlns:p="http://schemas.openxmlformats.org/presentationml/2006/main" xmlns:c="http://schemas.openxmlformats.org/drawingml/2006/chart" xmlns:dgm="http://schemas.openxmlformats.org/drawingml/2006/diagram" xmlns:o="urn:schemas-microsoft-com:office:office" xmlns:v="urn:schemas-microsoft-com:vml" xmlns:pvml="urn:schemas-microsoft-com:office:powerpoint" xmlns:com="http://schemas.openxmlformats.org/drawingml/2006/compatibility" xmlns:p14="http://schemas.microsoft.com/office/powerpoint/2010/main" xmlns:p15="http://schemas.microsoft.com/office/powerpoint/2012/main" xmlns:ahyp="http://schemas.microsoft.com/office/drawing/2018/hyperlinkcolor" matchingName="Section title and description">
+<p:sldLayout xmlns:a="http://schemas.openxmlformats.org/drawingml/2006/main" xmlns:r="http://schemas.openxmlformats.org/officeDocument/2006/relationships" xmlns:p="http://schemas.openxmlformats.org/presentationml/2006/main" matchingName="Section title and description">
   <p:cSld name="SECTION_TITLE_AND_DESCRIPTION">
     <p:spTree>
       <p:nvGrpSpPr>
-        <p:cNvPr id="35" name="Shape 35"/>
+        <p:cNvPr id="1" name="Shape 35"/>
         <p:cNvGrpSpPr/>
         <p:nvPr/>
       </p:nvGrpSpPr>
@@ -3930,12 +4118,12 @@
           </a:ln>
         </p:spPr>
         <p:txBody>
-          <a:bodyPr anchorCtr="0" anchor="ctr" bIns="91425" lIns="91425" spcFirstLastPara="1" rIns="91425" wrap="square" tIns="91425">
+          <a:bodyPr spcFirstLastPara="1" wrap="square" lIns="91425" tIns="91425" rIns="91425" bIns="91425" anchor="ctr" anchorCtr="0">
             <a:noAutofit/>
           </a:bodyPr>
           <a:lstStyle/>
           <a:p>
-            <a:pPr indent="0" lvl="0" marL="0" rtl="0" algn="l">
+            <a:pPr marL="0" lvl="0" indent="0" algn="l" rtl="0">
               <a:spcBef>
                 <a:spcPts val="0"/>
               </a:spcBef>
@@ -3944,9 +4132,6 @@
               </a:spcAft>
               <a:buNone/>
             </a:pPr>
-            <a:r>
-              <a:t/>
-            </a:r>
             <a:endParaRPr/>
           </a:p>
         </p:txBody>
@@ -3954,7 +4139,9 @@
       <p:sp>
         <p:nvSpPr>
           <p:cNvPr id="37" name="Google Shape;37;p9"/>
-          <p:cNvSpPr txBox="1"/>
+          <p:cNvSpPr txBox="1">
+            <a:spLocks noGrp="1"/>
+          </p:cNvSpPr>
           <p:nvPr>
             <p:ph type="title"/>
           </p:nvPr>
@@ -3969,7 +4156,7 @@
           </a:prstGeom>
         </p:spPr>
         <p:txBody>
-          <a:bodyPr anchorCtr="0" anchor="b" bIns="91425" lIns="91425" spcFirstLastPara="1" rIns="91425" wrap="square" tIns="91425">
+          <a:bodyPr spcFirstLastPara="1" wrap="square" lIns="91425" tIns="91425" rIns="91425" bIns="91425" anchor="b" anchorCtr="0">
             <a:normAutofit/>
           </a:bodyPr>
           <a:lstStyle>
@@ -4073,15 +4260,19 @@
               <a:defRPr sz="4200"/>
             </a:lvl9pPr>
           </a:lstStyle>
-          <a:p/>
+          <a:p>
+            <a:endParaRPr/>
+          </a:p>
         </p:txBody>
       </p:sp>
       <p:sp>
         <p:nvSpPr>
           <p:cNvPr id="38" name="Google Shape;38;p9"/>
-          <p:cNvSpPr txBox="1"/>
+          <p:cNvSpPr txBox="1">
+            <a:spLocks noGrp="1"/>
+          </p:cNvSpPr>
           <p:nvPr>
-            <p:ph idx="1" type="subTitle"/>
+            <p:ph type="subTitle" idx="1"/>
           </p:nvPr>
         </p:nvSpPr>
         <p:spPr>
@@ -4094,7 +4285,7 @@
           </a:prstGeom>
         </p:spPr>
         <p:txBody>
-          <a:bodyPr anchorCtr="0" anchor="t" bIns="91425" lIns="91425" spcFirstLastPara="1" rIns="91425" wrap="square" tIns="91425">
+          <a:bodyPr spcFirstLastPara="1" wrap="square" lIns="91425" tIns="91425" rIns="91425" bIns="91425" anchor="t" anchorCtr="0">
             <a:normAutofit/>
           </a:bodyPr>
           <a:lstStyle>
@@ -4225,15 +4416,19 @@
               <a:defRPr sz="2100"/>
             </a:lvl9pPr>
           </a:lstStyle>
-          <a:p/>
+          <a:p>
+            <a:endParaRPr/>
+          </a:p>
         </p:txBody>
       </p:sp>
       <p:sp>
         <p:nvSpPr>
           <p:cNvPr id="39" name="Google Shape;39;p9"/>
-          <p:cNvSpPr txBox="1"/>
+          <p:cNvSpPr txBox="1">
+            <a:spLocks noGrp="1"/>
+          </p:cNvSpPr>
           <p:nvPr>
-            <p:ph idx="2" type="body"/>
+            <p:ph type="body" idx="2"/>
           </p:nvPr>
         </p:nvSpPr>
         <p:spPr>
@@ -4246,11 +4441,11 @@
           </a:prstGeom>
         </p:spPr>
         <p:txBody>
-          <a:bodyPr anchorCtr="0" anchor="ctr" bIns="91425" lIns="91425" spcFirstLastPara="1" rIns="91425" wrap="square" tIns="91425">
+          <a:bodyPr spcFirstLastPara="1" wrap="square" lIns="91425" tIns="91425" rIns="91425" bIns="91425" anchor="ctr" anchorCtr="0">
             <a:normAutofit/>
           </a:bodyPr>
           <a:lstStyle>
-            <a:lvl1pPr indent="-342900" lvl="0" marL="457200">
+            <a:lvl1pPr marL="457200" lvl="0" indent="-342900">
               <a:spcBef>
                 <a:spcPts val="0"/>
               </a:spcBef>
@@ -4268,7 +4463,7 @@
                 </a:solidFill>
               </a:defRPr>
             </a:lvl1pPr>
-            <a:lvl2pPr indent="-317500" lvl="1" marL="914400">
+            <a:lvl2pPr marL="914400" lvl="1" indent="-317500">
               <a:spcBef>
                 <a:spcPts val="0"/>
               </a:spcBef>
@@ -4286,7 +4481,7 @@
                 </a:solidFill>
               </a:defRPr>
             </a:lvl2pPr>
-            <a:lvl3pPr indent="-317500" lvl="2" marL="1371600">
+            <a:lvl3pPr marL="1371600" lvl="2" indent="-317500">
               <a:spcBef>
                 <a:spcPts val="0"/>
               </a:spcBef>
@@ -4304,7 +4499,7 @@
                 </a:solidFill>
               </a:defRPr>
             </a:lvl3pPr>
-            <a:lvl4pPr indent="-317500" lvl="3" marL="1828800">
+            <a:lvl4pPr marL="1828800" lvl="3" indent="-317500">
               <a:spcBef>
                 <a:spcPts val="0"/>
               </a:spcBef>
@@ -4322,7 +4517,7 @@
                 </a:solidFill>
               </a:defRPr>
             </a:lvl4pPr>
-            <a:lvl5pPr indent="-317500" lvl="4" marL="2286000">
+            <a:lvl5pPr marL="2286000" lvl="4" indent="-317500">
               <a:spcBef>
                 <a:spcPts val="0"/>
               </a:spcBef>
@@ -4340,7 +4535,7 @@
                 </a:solidFill>
               </a:defRPr>
             </a:lvl5pPr>
-            <a:lvl6pPr indent="-317500" lvl="5" marL="2743200">
+            <a:lvl6pPr marL="2743200" lvl="5" indent="-317500">
               <a:spcBef>
                 <a:spcPts val="0"/>
               </a:spcBef>
@@ -4358,7 +4553,7 @@
                 </a:solidFill>
               </a:defRPr>
             </a:lvl6pPr>
-            <a:lvl7pPr indent="-317500" lvl="6" marL="3200400">
+            <a:lvl7pPr marL="3200400" lvl="6" indent="-317500">
               <a:spcBef>
                 <a:spcPts val="0"/>
               </a:spcBef>
@@ -4376,7 +4571,7 @@
                 </a:solidFill>
               </a:defRPr>
             </a:lvl7pPr>
-            <a:lvl8pPr indent="-317500" lvl="7" marL="3657600">
+            <a:lvl8pPr marL="3657600" lvl="7" indent="-317500">
               <a:spcBef>
                 <a:spcPts val="0"/>
               </a:spcBef>
@@ -4394,7 +4589,7 @@
                 </a:solidFill>
               </a:defRPr>
             </a:lvl8pPr>
-            <a:lvl9pPr indent="-317500" lvl="8" marL="4114800">
+            <a:lvl9pPr marL="4114800" lvl="8" indent="-317500">
               <a:spcBef>
                 <a:spcPts val="0"/>
               </a:spcBef>
@@ -4413,15 +4608,19 @@
               </a:defRPr>
             </a:lvl9pPr>
           </a:lstStyle>
-          <a:p/>
+          <a:p>
+            <a:endParaRPr/>
+          </a:p>
         </p:txBody>
       </p:sp>
       <p:sp>
         <p:nvSpPr>
           <p:cNvPr id="40" name="Google Shape;40;p9"/>
-          <p:cNvSpPr txBox="1"/>
+          <p:cNvSpPr txBox="1">
+            <a:spLocks noGrp="1"/>
+          </p:cNvSpPr>
           <p:nvPr>
-            <p:ph idx="12" type="sldNum"/>
+            <p:ph type="sldNum" idx="12"/>
           </p:nvPr>
         </p:nvSpPr>
         <p:spPr>
@@ -4434,7 +4633,7 @@
           </a:prstGeom>
         </p:spPr>
         <p:txBody>
-          <a:bodyPr anchorCtr="0" anchor="ctr" bIns="91425" lIns="91425" spcFirstLastPara="1" rIns="91425" wrap="square" tIns="91425">
+          <a:bodyPr spcFirstLastPara="1" wrap="square" lIns="91425" tIns="91425" rIns="91425" bIns="91425" anchor="ctr" anchorCtr="0">
             <a:normAutofit/>
           </a:bodyPr>
           <a:lstStyle>
@@ -4476,7 +4675,7 @@
             </a:lvl9pPr>
           </a:lstStyle>
           <a:p>
-            <a:pPr indent="0" lvl="0" marL="0" rtl="0" algn="r">
+            <a:pPr marL="0" lvl="0" indent="0" algn="r" rtl="0">
               <a:spcBef>
                 <a:spcPts val="0"/>
               </a:spcBef>
@@ -4502,11 +4701,11 @@
 </file>
 
 <file path=ppt/slideLayouts/slideLayout9.xml><?xml version="1.0" encoding="utf-8"?>
-<p:sldLayout xmlns:a="http://schemas.openxmlformats.org/drawingml/2006/main" xmlns:r="http://schemas.openxmlformats.org/officeDocument/2006/relationships" xmlns:mc="http://schemas.openxmlformats.org/markup-compatibility/2006" xmlns:mv="urn:schemas-microsoft-com:mac:vml" xmlns:p="http://schemas.openxmlformats.org/presentationml/2006/main" xmlns:c="http://schemas.openxmlformats.org/drawingml/2006/chart" xmlns:dgm="http://schemas.openxmlformats.org/drawingml/2006/diagram" xmlns:o="urn:schemas-microsoft-com:office:office" xmlns:v="urn:schemas-microsoft-com:vml" xmlns:pvml="urn:schemas-microsoft-com:office:powerpoint" xmlns:com="http://schemas.openxmlformats.org/drawingml/2006/compatibility" xmlns:p14="http://schemas.microsoft.com/office/powerpoint/2010/main" xmlns:p15="http://schemas.microsoft.com/office/powerpoint/2012/main" xmlns:ahyp="http://schemas.microsoft.com/office/drawing/2018/hyperlinkcolor" matchingName="Caption">
+<p:sldLayout xmlns:a="http://schemas.openxmlformats.org/drawingml/2006/main" xmlns:r="http://schemas.openxmlformats.org/officeDocument/2006/relationships" xmlns:p="http://schemas.openxmlformats.org/presentationml/2006/main" matchingName="Caption">
   <p:cSld name="CAPTION_ONLY">
     <p:spTree>
       <p:nvGrpSpPr>
-        <p:cNvPr id="41" name="Shape 41"/>
+        <p:cNvPr id="1" name="Shape 41"/>
         <p:cNvGrpSpPr/>
         <p:nvPr/>
       </p:nvGrpSpPr>
@@ -4521,9 +4720,11 @@
       <p:sp>
         <p:nvSpPr>
           <p:cNvPr id="42" name="Google Shape;42;p10"/>
-          <p:cNvSpPr txBox="1"/>
+          <p:cNvSpPr txBox="1">
+            <a:spLocks noGrp="1"/>
+          </p:cNvSpPr>
           <p:nvPr>
-            <p:ph idx="1" type="body"/>
+            <p:ph type="body" idx="1"/>
           </p:nvPr>
         </p:nvSpPr>
         <p:spPr>
@@ -4536,11 +4737,11 @@
           </a:prstGeom>
         </p:spPr>
         <p:txBody>
-          <a:bodyPr anchorCtr="0" anchor="ctr" bIns="91425" lIns="91425" spcFirstLastPara="1" rIns="91425" wrap="square" tIns="91425">
+          <a:bodyPr spcFirstLastPara="1" wrap="square" lIns="91425" tIns="91425" rIns="91425" bIns="91425" anchor="ctr" anchorCtr="0">
             <a:normAutofit/>
           </a:bodyPr>
           <a:lstStyle>
-            <a:lvl1pPr indent="-228600" lvl="0" marL="457200">
+            <a:lvl1pPr marL="457200" lvl="0" indent="-228600">
               <a:lnSpc>
                 <a:spcPct val="100000"/>
               </a:lnSpc>
@@ -4555,15 +4756,19 @@
               <a:defRPr/>
             </a:lvl1pPr>
           </a:lstStyle>
-          <a:p/>
+          <a:p>
+            <a:endParaRPr/>
+          </a:p>
         </p:txBody>
       </p:sp>
       <p:sp>
         <p:nvSpPr>
           <p:cNvPr id="43" name="Google Shape;43;p10"/>
-          <p:cNvSpPr txBox="1"/>
+          <p:cNvSpPr txBox="1">
+            <a:spLocks noGrp="1"/>
+          </p:cNvSpPr>
           <p:nvPr>
-            <p:ph idx="12" type="sldNum"/>
+            <p:ph type="sldNum" idx="12"/>
           </p:nvPr>
         </p:nvSpPr>
         <p:spPr>
@@ -4576,7 +4781,7 @@
           </a:prstGeom>
         </p:spPr>
         <p:txBody>
-          <a:bodyPr anchorCtr="0" anchor="ctr" bIns="91425" lIns="91425" spcFirstLastPara="1" rIns="91425" wrap="square" tIns="91425">
+          <a:bodyPr spcFirstLastPara="1" wrap="square" lIns="91425" tIns="91425" rIns="91425" bIns="91425" anchor="ctr" anchorCtr="0">
             <a:normAutofit/>
           </a:bodyPr>
           <a:lstStyle>
@@ -4618,7 +4823,7 @@
             </a:lvl9pPr>
           </a:lstStyle>
           <a:p>
-            <a:pPr indent="0" lvl="0" marL="0" rtl="0" algn="r">
+            <a:pPr marL="0" lvl="0" indent="0" algn="r" rtl="0">
               <a:spcBef>
                 <a:spcPts val="0"/>
               </a:spcBef>
@@ -4644,18 +4849,19 @@
 </file>
 
 <file path=ppt/slideMasters/slideMaster1.xml><?xml version="1.0" encoding="utf-8"?>
-<p:sldMaster xmlns:a="http://schemas.openxmlformats.org/drawingml/2006/main" xmlns:r="http://schemas.openxmlformats.org/officeDocument/2006/relationships" xmlns:mc="http://schemas.openxmlformats.org/markup-compatibility/2006" xmlns:mv="urn:schemas-microsoft-com:mac:vml" xmlns:p="http://schemas.openxmlformats.org/presentationml/2006/main" xmlns:c="http://schemas.openxmlformats.org/drawingml/2006/chart" xmlns:dgm="http://schemas.openxmlformats.org/drawingml/2006/diagram" xmlns:o="urn:schemas-microsoft-com:office:office" xmlns:v="urn:schemas-microsoft-com:vml" xmlns:pvml="urn:schemas-microsoft-com:office:powerpoint" xmlns:com="http://schemas.openxmlformats.org/drawingml/2006/compatibility" xmlns:p14="http://schemas.microsoft.com/office/powerpoint/2010/main" xmlns:p15="http://schemas.microsoft.com/office/powerpoint/2012/main" xmlns:ahyp="http://schemas.microsoft.com/office/drawing/2018/hyperlinkcolor">
+<p:sldMaster xmlns:a="http://schemas.openxmlformats.org/drawingml/2006/main" xmlns:r="http://schemas.openxmlformats.org/officeDocument/2006/relationships" xmlns:p="http://schemas.openxmlformats.org/presentationml/2006/main">
   <p:cSld name="simple-dark-2">
     <p:bg>
       <p:bgPr>
         <a:solidFill>
           <a:schemeClr val="lt1"/>
         </a:solidFill>
+        <a:effectLst/>
       </p:bgPr>
     </p:bg>
     <p:spTree>
       <p:nvGrpSpPr>
-        <p:cNvPr id="5" name="Shape 5"/>
+        <p:cNvPr id="1" name="Shape 5"/>
         <p:cNvGrpSpPr/>
         <p:nvPr/>
       </p:nvGrpSpPr>
@@ -4670,7 +4876,9 @@
       <p:sp>
         <p:nvSpPr>
           <p:cNvPr id="6" name="Google Shape;6;p1"/>
-          <p:cNvSpPr txBox="1"/>
+          <p:cNvSpPr txBox="1">
+            <a:spLocks noGrp="1"/>
+          </p:cNvSpPr>
           <p:nvPr>
             <p:ph type="title"/>
           </p:nvPr>
@@ -4689,7 +4897,7 @@
           </a:ln>
         </p:spPr>
         <p:txBody>
-          <a:bodyPr anchorCtr="0" anchor="t" bIns="91425" lIns="91425" spcFirstLastPara="1" rIns="91425" wrap="square" tIns="91425">
+          <a:bodyPr spcFirstLastPara="1" wrap="square" lIns="91425" tIns="91425" rIns="91425" bIns="91425" anchor="t" anchorCtr="0">
             <a:normAutofit/>
           </a:bodyPr>
           <a:lstStyle>
@@ -4856,15 +5064,19 @@
               </a:defRPr>
             </a:lvl9pPr>
           </a:lstStyle>
-          <a:p/>
+          <a:p>
+            <a:endParaRPr/>
+          </a:p>
         </p:txBody>
       </p:sp>
       <p:sp>
         <p:nvSpPr>
           <p:cNvPr id="7" name="Google Shape;7;p1"/>
-          <p:cNvSpPr txBox="1"/>
+          <p:cNvSpPr txBox="1">
+            <a:spLocks noGrp="1"/>
+          </p:cNvSpPr>
           <p:nvPr>
-            <p:ph idx="1" type="body"/>
+            <p:ph type="body" idx="1"/>
           </p:nvPr>
         </p:nvSpPr>
         <p:spPr>
@@ -4881,11 +5093,11 @@
           </a:ln>
         </p:spPr>
         <p:txBody>
-          <a:bodyPr anchorCtr="0" anchor="t" bIns="91425" lIns="91425" spcFirstLastPara="1" rIns="91425" wrap="square" tIns="91425">
+          <a:bodyPr spcFirstLastPara="1" wrap="square" lIns="91425" tIns="91425" rIns="91425" bIns="91425" anchor="t" anchorCtr="0">
             <a:normAutofit/>
           </a:bodyPr>
           <a:lstStyle>
-            <a:lvl1pPr indent="-342900" lvl="0" marL="457200">
+            <a:lvl1pPr marL="457200" lvl="0" indent="-342900">
               <a:lnSpc>
                 <a:spcPct val="115000"/>
               </a:lnSpc>
@@ -4906,7 +5118,7 @@
                 </a:solidFill>
               </a:defRPr>
             </a:lvl1pPr>
-            <a:lvl2pPr indent="-317500" lvl="1" marL="914400">
+            <a:lvl2pPr marL="914400" lvl="1" indent="-317500">
               <a:lnSpc>
                 <a:spcPct val="115000"/>
               </a:lnSpc>
@@ -4927,7 +5139,7 @@
                 </a:solidFill>
               </a:defRPr>
             </a:lvl2pPr>
-            <a:lvl3pPr indent="-317500" lvl="2" marL="1371600">
+            <a:lvl3pPr marL="1371600" lvl="2" indent="-317500">
               <a:lnSpc>
                 <a:spcPct val="115000"/>
               </a:lnSpc>
@@ -4948,7 +5160,7 @@
                 </a:solidFill>
               </a:defRPr>
             </a:lvl3pPr>
-            <a:lvl4pPr indent="-317500" lvl="3" marL="1828800">
+            <a:lvl4pPr marL="1828800" lvl="3" indent="-317500">
               <a:lnSpc>
                 <a:spcPct val="115000"/>
               </a:lnSpc>
@@ -4969,7 +5181,7 @@
                 </a:solidFill>
               </a:defRPr>
             </a:lvl4pPr>
-            <a:lvl5pPr indent="-317500" lvl="4" marL="2286000">
+            <a:lvl5pPr marL="2286000" lvl="4" indent="-317500">
               <a:lnSpc>
                 <a:spcPct val="115000"/>
               </a:lnSpc>
@@ -4990,7 +5202,7 @@
                 </a:solidFill>
               </a:defRPr>
             </a:lvl5pPr>
-            <a:lvl6pPr indent="-317500" lvl="5" marL="2743200">
+            <a:lvl6pPr marL="2743200" lvl="5" indent="-317500">
               <a:lnSpc>
                 <a:spcPct val="115000"/>
               </a:lnSpc>
@@ -5011,7 +5223,7 @@
                 </a:solidFill>
               </a:defRPr>
             </a:lvl6pPr>
-            <a:lvl7pPr indent="-317500" lvl="6" marL="3200400">
+            <a:lvl7pPr marL="3200400" lvl="6" indent="-317500">
               <a:lnSpc>
                 <a:spcPct val="115000"/>
               </a:lnSpc>
@@ -5032,7 +5244,7 @@
                 </a:solidFill>
               </a:defRPr>
             </a:lvl7pPr>
-            <a:lvl8pPr indent="-317500" lvl="7" marL="3657600">
+            <a:lvl8pPr marL="3657600" lvl="7" indent="-317500">
               <a:lnSpc>
                 <a:spcPct val="115000"/>
               </a:lnSpc>
@@ -5053,7 +5265,7 @@
                 </a:solidFill>
               </a:defRPr>
             </a:lvl8pPr>
-            <a:lvl9pPr indent="-317500" lvl="8" marL="4114800">
+            <a:lvl9pPr marL="4114800" lvl="8" indent="-317500">
               <a:lnSpc>
                 <a:spcPct val="115000"/>
               </a:lnSpc>
@@ -5075,15 +5287,19 @@
               </a:defRPr>
             </a:lvl9pPr>
           </a:lstStyle>
-          <a:p/>
+          <a:p>
+            <a:endParaRPr/>
+          </a:p>
         </p:txBody>
       </p:sp>
       <p:sp>
         <p:nvSpPr>
           <p:cNvPr id="8" name="Google Shape;8;p1"/>
-          <p:cNvSpPr txBox="1"/>
+          <p:cNvSpPr txBox="1">
+            <a:spLocks noGrp="1"/>
+          </p:cNvSpPr>
           <p:nvPr>
-            <p:ph idx="12" type="sldNum"/>
+            <p:ph type="sldNum" idx="12"/>
           </p:nvPr>
         </p:nvSpPr>
         <p:spPr>
@@ -5100,7 +5316,7 @@
           </a:ln>
         </p:spPr>
         <p:txBody>
-          <a:bodyPr anchorCtr="0" anchor="ctr" bIns="91425" lIns="91425" spcFirstLastPara="1" rIns="91425" wrap="square" tIns="91425">
+          <a:bodyPr spcFirstLastPara="1" wrap="square" lIns="91425" tIns="91425" rIns="91425" bIns="91425" anchor="ctr" anchorCtr="0">
             <a:normAutofit/>
           </a:bodyPr>
           <a:lstStyle>
@@ -5178,7 +5394,7 @@
             </a:lvl9pPr>
           </a:lstStyle>
           <a:p>
-            <a:pPr indent="0" lvl="0" marL="0" rtl="0" algn="r">
+            <a:pPr marL="0" lvl="0" indent="0" algn="r" rtl="0">
               <a:spcBef>
                 <a:spcPts val="0"/>
               </a:spcBef>
@@ -5197,7 +5413,7 @@
       </p:sp>
     </p:spTree>
   </p:cSld>
-  <p:clrMap accent1="accent1" accent2="accent2" accent3="accent3" accent4="accent4" accent5="accent5" accent6="accent6" bg1="lt1" bg2="dk2" tx1="dk1" tx2="lt2" folHlink="folHlink" hlink="hlink"/>
+  <p:clrMap bg1="lt1" tx1="dk1" bg2="dk2" tx2="lt2" accent1="accent1" accent2="accent2" accent3="accent3" accent4="accent4" accent5="accent5" accent6="accent6" hlink="hlink" folHlink="folHlink"/>
   <p:sldLayoutIdLst>
     <p:sldLayoutId id="2147483648" r:id="rId1"/>
     <p:sldLayoutId id="2147483649" r:id="rId2"/>
@@ -5211,10 +5427,10 @@
     <p:sldLayoutId id="2147483657" r:id="rId10"/>
     <p:sldLayoutId id="2147483658" r:id="rId11"/>
   </p:sldLayoutIdLst>
-  <p:hf dt="0" ftr="0" hdr="0" sldNum="0"/>
+  <p:hf sldNum="0" hdr="0" ftr="0" dt="0"/>
   <p:txStyles>
     <p:titleStyle>
-      <a:defPPr lvl="0" marR="0" rtl="0" algn="l">
+      <a:defPPr marR="0" lvl="0" algn="l" rtl="0">
         <a:lnSpc>
           <a:spcPct val="100000"/>
         </a:lnSpc>
@@ -5225,7 +5441,7 @@
           <a:spcPts val="0"/>
         </a:spcAft>
       </a:defPPr>
-      <a:lvl1pPr lvl="0" marR="0" rtl="0" algn="l">
+      <a:lvl1pPr marR="0" lvl="0" algn="l" rtl="0">
         <a:lnSpc>
           <a:spcPct val="100000"/>
         </a:lnSpc>
@@ -5239,7 +5455,7 @@
           <a:srgbClr val="000000"/>
         </a:buClr>
         <a:buFont typeface="Arial"/>
-        <a:defRPr b="0" i="0" sz="1400" u="none" cap="none" strike="noStrike">
+        <a:defRPr sz="1400" b="0" i="0" u="none" strike="noStrike" cap="none">
           <a:solidFill>
             <a:srgbClr val="000000"/>
           </a:solidFill>
@@ -5249,7 +5465,7 @@
           <a:sym typeface="Arial"/>
         </a:defRPr>
       </a:lvl1pPr>
-      <a:lvl2pPr lvl="1" marR="0" rtl="0" algn="l">
+      <a:lvl2pPr marR="0" lvl="1" algn="l" rtl="0">
         <a:lnSpc>
           <a:spcPct val="100000"/>
         </a:lnSpc>
@@ -5263,7 +5479,7 @@
           <a:srgbClr val="000000"/>
         </a:buClr>
         <a:buFont typeface="Arial"/>
-        <a:defRPr b="0" i="0" sz="1400" u="none" cap="none" strike="noStrike">
+        <a:defRPr sz="1400" b="0" i="0" u="none" strike="noStrike" cap="none">
           <a:solidFill>
             <a:srgbClr val="000000"/>
           </a:solidFill>
@@ -5273,7 +5489,7 @@
           <a:sym typeface="Arial"/>
         </a:defRPr>
       </a:lvl2pPr>
-      <a:lvl3pPr lvl="2" marR="0" rtl="0" algn="l">
+      <a:lvl3pPr marR="0" lvl="2" algn="l" rtl="0">
         <a:lnSpc>
           <a:spcPct val="100000"/>
         </a:lnSpc>
@@ -5287,7 +5503,7 @@
           <a:srgbClr val="000000"/>
         </a:buClr>
         <a:buFont typeface="Arial"/>
-        <a:defRPr b="0" i="0" sz="1400" u="none" cap="none" strike="noStrike">
+        <a:defRPr sz="1400" b="0" i="0" u="none" strike="noStrike" cap="none">
           <a:solidFill>
             <a:srgbClr val="000000"/>
           </a:solidFill>
@@ -5297,7 +5513,7 @@
           <a:sym typeface="Arial"/>
         </a:defRPr>
       </a:lvl3pPr>
-      <a:lvl4pPr lvl="3" marR="0" rtl="0" algn="l">
+      <a:lvl4pPr marR="0" lvl="3" algn="l" rtl="0">
         <a:lnSpc>
           <a:spcPct val="100000"/>
         </a:lnSpc>
@@ -5311,7 +5527,7 @@
           <a:srgbClr val="000000"/>
         </a:buClr>
         <a:buFont typeface="Arial"/>
-        <a:defRPr b="0" i="0" sz="1400" u="none" cap="none" strike="noStrike">
+        <a:defRPr sz="1400" b="0" i="0" u="none" strike="noStrike" cap="none">
           <a:solidFill>
             <a:srgbClr val="000000"/>
           </a:solidFill>
@@ -5321,7 +5537,7 @@
           <a:sym typeface="Arial"/>
         </a:defRPr>
       </a:lvl4pPr>
-      <a:lvl5pPr lvl="4" marR="0" rtl="0" algn="l">
+      <a:lvl5pPr marR="0" lvl="4" algn="l" rtl="0">
         <a:lnSpc>
           <a:spcPct val="100000"/>
         </a:lnSpc>
@@ -5335,7 +5551,7 @@
           <a:srgbClr val="000000"/>
         </a:buClr>
         <a:buFont typeface="Arial"/>
-        <a:defRPr b="0" i="0" sz="1400" u="none" cap="none" strike="noStrike">
+        <a:defRPr sz="1400" b="0" i="0" u="none" strike="noStrike" cap="none">
           <a:solidFill>
             <a:srgbClr val="000000"/>
           </a:solidFill>
@@ -5345,7 +5561,7 @@
           <a:sym typeface="Arial"/>
         </a:defRPr>
       </a:lvl5pPr>
-      <a:lvl6pPr lvl="5" marR="0" rtl="0" algn="l">
+      <a:lvl6pPr marR="0" lvl="5" algn="l" rtl="0">
         <a:lnSpc>
           <a:spcPct val="100000"/>
         </a:lnSpc>
@@ -5359,7 +5575,7 @@
           <a:srgbClr val="000000"/>
         </a:buClr>
         <a:buFont typeface="Arial"/>
-        <a:defRPr b="0" i="0" sz="1400" u="none" cap="none" strike="noStrike">
+        <a:defRPr sz="1400" b="0" i="0" u="none" strike="noStrike" cap="none">
           <a:solidFill>
             <a:srgbClr val="000000"/>
           </a:solidFill>
@@ -5369,7 +5585,7 @@
           <a:sym typeface="Arial"/>
         </a:defRPr>
       </a:lvl6pPr>
-      <a:lvl7pPr lvl="6" marR="0" rtl="0" algn="l">
+      <a:lvl7pPr marR="0" lvl="6" algn="l" rtl="0">
         <a:lnSpc>
           <a:spcPct val="100000"/>
         </a:lnSpc>
@@ -5383,7 +5599,7 @@
           <a:srgbClr val="000000"/>
         </a:buClr>
         <a:buFont typeface="Arial"/>
-        <a:defRPr b="0" i="0" sz="1400" u="none" cap="none" strike="noStrike">
+        <a:defRPr sz="1400" b="0" i="0" u="none" strike="noStrike" cap="none">
           <a:solidFill>
             <a:srgbClr val="000000"/>
           </a:solidFill>
@@ -5393,7 +5609,7 @@
           <a:sym typeface="Arial"/>
         </a:defRPr>
       </a:lvl7pPr>
-      <a:lvl8pPr lvl="7" marR="0" rtl="0" algn="l">
+      <a:lvl8pPr marR="0" lvl="7" algn="l" rtl="0">
         <a:lnSpc>
           <a:spcPct val="100000"/>
         </a:lnSpc>
@@ -5407,7 +5623,7 @@
           <a:srgbClr val="000000"/>
         </a:buClr>
         <a:buFont typeface="Arial"/>
-        <a:defRPr b="0" i="0" sz="1400" u="none" cap="none" strike="noStrike">
+        <a:defRPr sz="1400" b="0" i="0" u="none" strike="noStrike" cap="none">
           <a:solidFill>
             <a:srgbClr val="000000"/>
           </a:solidFill>
@@ -5417,7 +5633,7 @@
           <a:sym typeface="Arial"/>
         </a:defRPr>
       </a:lvl8pPr>
-      <a:lvl9pPr lvl="8" marR="0" rtl="0" algn="l">
+      <a:lvl9pPr marR="0" lvl="8" algn="l" rtl="0">
         <a:lnSpc>
           <a:spcPct val="100000"/>
         </a:lnSpc>
@@ -5431,7 +5647,7 @@
           <a:srgbClr val="000000"/>
         </a:buClr>
         <a:buFont typeface="Arial"/>
-        <a:defRPr b="0" i="0" sz="1400" u="none" cap="none" strike="noStrike">
+        <a:defRPr sz="1400" b="0" i="0" u="none" strike="noStrike" cap="none">
           <a:solidFill>
             <a:srgbClr val="000000"/>
           </a:solidFill>
@@ -5443,7 +5659,7 @@
       </a:lvl9pPr>
     </p:titleStyle>
     <p:bodyStyle>
-      <a:defPPr lvl="0" marR="0" rtl="0" algn="l">
+      <a:defPPr marR="0" lvl="0" algn="l" rtl="0">
         <a:lnSpc>
           <a:spcPct val="100000"/>
         </a:lnSpc>
@@ -5454,7 +5670,7 @@
           <a:spcPts val="0"/>
         </a:spcAft>
       </a:defPPr>
-      <a:lvl1pPr lvl="0" marR="0" rtl="0" algn="l">
+      <a:lvl1pPr marR="0" lvl="0" algn="l" rtl="0">
         <a:lnSpc>
           <a:spcPct val="100000"/>
         </a:lnSpc>
@@ -5468,7 +5684,7 @@
           <a:srgbClr val="000000"/>
         </a:buClr>
         <a:buFont typeface="Arial"/>
-        <a:defRPr b="0" i="0" sz="1400" u="none" cap="none" strike="noStrike">
+        <a:defRPr sz="1400" b="0" i="0" u="none" strike="noStrike" cap="none">
           <a:solidFill>
             <a:srgbClr val="000000"/>
           </a:solidFill>
@@ -5478,7 +5694,7 @@
           <a:sym typeface="Arial"/>
         </a:defRPr>
       </a:lvl1pPr>
-      <a:lvl2pPr lvl="1" marR="0" rtl="0" algn="l">
+      <a:lvl2pPr marR="0" lvl="1" algn="l" rtl="0">
         <a:lnSpc>
           <a:spcPct val="100000"/>
         </a:lnSpc>
@@ -5492,7 +5708,7 @@
           <a:srgbClr val="000000"/>
         </a:buClr>
         <a:buFont typeface="Arial"/>
-        <a:defRPr b="0" i="0" sz="1400" u="none" cap="none" strike="noStrike">
+        <a:defRPr sz="1400" b="0" i="0" u="none" strike="noStrike" cap="none">
           <a:solidFill>
             <a:srgbClr val="000000"/>
           </a:solidFill>
@@ -5502,7 +5718,7 @@
           <a:sym typeface="Arial"/>
         </a:defRPr>
       </a:lvl2pPr>
-      <a:lvl3pPr lvl="2" marR="0" rtl="0" algn="l">
+      <a:lvl3pPr marR="0" lvl="2" algn="l" rtl="0">
         <a:lnSpc>
           <a:spcPct val="100000"/>
         </a:lnSpc>
@@ -5516,7 +5732,7 @@
           <a:srgbClr val="000000"/>
         </a:buClr>
         <a:buFont typeface="Arial"/>
-        <a:defRPr b="0" i="0" sz="1400" u="none" cap="none" strike="noStrike">
+        <a:defRPr sz="1400" b="0" i="0" u="none" strike="noStrike" cap="none">
           <a:solidFill>
             <a:srgbClr val="000000"/>
           </a:solidFill>
@@ -5526,7 +5742,7 @@
           <a:sym typeface="Arial"/>
         </a:defRPr>
       </a:lvl3pPr>
-      <a:lvl4pPr lvl="3" marR="0" rtl="0" algn="l">
+      <a:lvl4pPr marR="0" lvl="3" algn="l" rtl="0">
         <a:lnSpc>
           <a:spcPct val="100000"/>
         </a:lnSpc>
@@ -5540,7 +5756,7 @@
           <a:srgbClr val="000000"/>
         </a:buClr>
         <a:buFont typeface="Arial"/>
-        <a:defRPr b="0" i="0" sz="1400" u="none" cap="none" strike="noStrike">
+        <a:defRPr sz="1400" b="0" i="0" u="none" strike="noStrike" cap="none">
           <a:solidFill>
             <a:srgbClr val="000000"/>
           </a:solidFill>
@@ -5550,7 +5766,7 @@
           <a:sym typeface="Arial"/>
         </a:defRPr>
       </a:lvl4pPr>
-      <a:lvl5pPr lvl="4" marR="0" rtl="0" algn="l">
+      <a:lvl5pPr marR="0" lvl="4" algn="l" rtl="0">
         <a:lnSpc>
           <a:spcPct val="100000"/>
         </a:lnSpc>
@@ -5564,7 +5780,7 @@
           <a:srgbClr val="000000"/>
         </a:buClr>
         <a:buFont typeface="Arial"/>
-        <a:defRPr b="0" i="0" sz="1400" u="none" cap="none" strike="noStrike">
+        <a:defRPr sz="1400" b="0" i="0" u="none" strike="noStrike" cap="none">
           <a:solidFill>
             <a:srgbClr val="000000"/>
           </a:solidFill>
@@ -5574,7 +5790,7 @@
           <a:sym typeface="Arial"/>
         </a:defRPr>
       </a:lvl5pPr>
-      <a:lvl6pPr lvl="5" marR="0" rtl="0" algn="l">
+      <a:lvl6pPr marR="0" lvl="5" algn="l" rtl="0">
         <a:lnSpc>
           <a:spcPct val="100000"/>
         </a:lnSpc>
@@ -5588,7 +5804,7 @@
           <a:srgbClr val="000000"/>
         </a:buClr>
         <a:buFont typeface="Arial"/>
-        <a:defRPr b="0" i="0" sz="1400" u="none" cap="none" strike="noStrike">
+        <a:defRPr sz="1400" b="0" i="0" u="none" strike="noStrike" cap="none">
           <a:solidFill>
             <a:srgbClr val="000000"/>
           </a:solidFill>
@@ -5598,7 +5814,7 @@
           <a:sym typeface="Arial"/>
         </a:defRPr>
       </a:lvl6pPr>
-      <a:lvl7pPr lvl="6" marR="0" rtl="0" algn="l">
+      <a:lvl7pPr marR="0" lvl="6" algn="l" rtl="0">
         <a:lnSpc>
           <a:spcPct val="100000"/>
         </a:lnSpc>
@@ -5612,7 +5828,7 @@
           <a:srgbClr val="000000"/>
         </a:buClr>
         <a:buFont typeface="Arial"/>
-        <a:defRPr b="0" i="0" sz="1400" u="none" cap="none" strike="noStrike">
+        <a:defRPr sz="1400" b="0" i="0" u="none" strike="noStrike" cap="none">
           <a:solidFill>
             <a:srgbClr val="000000"/>
           </a:solidFill>
@@ -5622,7 +5838,7 @@
           <a:sym typeface="Arial"/>
         </a:defRPr>
       </a:lvl7pPr>
-      <a:lvl8pPr lvl="7" marR="0" rtl="0" algn="l">
+      <a:lvl8pPr marR="0" lvl="7" algn="l" rtl="0">
         <a:lnSpc>
           <a:spcPct val="100000"/>
         </a:lnSpc>
@@ -5636,7 +5852,7 @@
           <a:srgbClr val="000000"/>
         </a:buClr>
         <a:buFont typeface="Arial"/>
-        <a:defRPr b="0" i="0" sz="1400" u="none" cap="none" strike="noStrike">
+        <a:defRPr sz="1400" b="0" i="0" u="none" strike="noStrike" cap="none">
           <a:solidFill>
             <a:srgbClr val="000000"/>
           </a:solidFill>
@@ -5646,7 +5862,7 @@
           <a:sym typeface="Arial"/>
         </a:defRPr>
       </a:lvl8pPr>
-      <a:lvl9pPr lvl="8" marR="0" rtl="0" algn="l">
+      <a:lvl9pPr marR="0" lvl="8" algn="l" rtl="0">
         <a:lnSpc>
           <a:spcPct val="100000"/>
         </a:lnSpc>
@@ -5660,7 +5876,7 @@
           <a:srgbClr val="000000"/>
         </a:buClr>
         <a:buFont typeface="Arial"/>
-        <a:defRPr b="0" i="0" sz="1400" u="none" cap="none" strike="noStrike">
+        <a:defRPr sz="1400" b="0" i="0" u="none" strike="noStrike" cap="none">
           <a:solidFill>
             <a:srgbClr val="000000"/>
           </a:solidFill>
@@ -5672,7 +5888,7 @@
       </a:lvl9pPr>
     </p:bodyStyle>
     <p:otherStyle>
-      <a:defPPr lvl="0" marR="0" rtl="0" algn="l">
+      <a:defPPr marR="0" lvl="0" algn="l" rtl="0">
         <a:lnSpc>
           <a:spcPct val="100000"/>
         </a:lnSpc>
@@ -5683,7 +5899,7 @@
           <a:spcPts val="0"/>
         </a:spcAft>
       </a:defPPr>
-      <a:lvl1pPr lvl="0" marR="0" rtl="0" algn="l">
+      <a:lvl1pPr marR="0" lvl="0" algn="l" rtl="0">
         <a:lnSpc>
           <a:spcPct val="100000"/>
         </a:lnSpc>
@@ -5697,7 +5913,7 @@
           <a:srgbClr val="000000"/>
         </a:buClr>
         <a:buFont typeface="Arial"/>
-        <a:defRPr b="0" i="0" sz="1400" u="none" cap="none" strike="noStrike">
+        <a:defRPr sz="1400" b="0" i="0" u="none" strike="noStrike" cap="none">
           <a:solidFill>
             <a:srgbClr val="000000"/>
           </a:solidFill>
@@ -5707,7 +5923,7 @@
           <a:sym typeface="Arial"/>
         </a:defRPr>
       </a:lvl1pPr>
-      <a:lvl2pPr lvl="1" marR="0" rtl="0" algn="l">
+      <a:lvl2pPr marR="0" lvl="1" algn="l" rtl="0">
         <a:lnSpc>
           <a:spcPct val="100000"/>
         </a:lnSpc>
@@ -5721,7 +5937,7 @@
           <a:srgbClr val="000000"/>
         </a:buClr>
         <a:buFont typeface="Arial"/>
-        <a:defRPr b="0" i="0" sz="1400" u="none" cap="none" strike="noStrike">
+        <a:defRPr sz="1400" b="0" i="0" u="none" strike="noStrike" cap="none">
           <a:solidFill>
             <a:srgbClr val="000000"/>
           </a:solidFill>
@@ -5731,7 +5947,7 @@
           <a:sym typeface="Arial"/>
         </a:defRPr>
       </a:lvl2pPr>
-      <a:lvl3pPr lvl="2" marR="0" rtl="0" algn="l">
+      <a:lvl3pPr marR="0" lvl="2" algn="l" rtl="0">
         <a:lnSpc>
           <a:spcPct val="100000"/>
         </a:lnSpc>
@@ -5745,7 +5961,7 @@
           <a:srgbClr val="000000"/>
         </a:buClr>
         <a:buFont typeface="Arial"/>
-        <a:defRPr b="0" i="0" sz="1400" u="none" cap="none" strike="noStrike">
+        <a:defRPr sz="1400" b="0" i="0" u="none" strike="noStrike" cap="none">
           <a:solidFill>
             <a:srgbClr val="000000"/>
           </a:solidFill>
@@ -5755,7 +5971,7 @@
           <a:sym typeface="Arial"/>
         </a:defRPr>
       </a:lvl3pPr>
-      <a:lvl4pPr lvl="3" marR="0" rtl="0" algn="l">
+      <a:lvl4pPr marR="0" lvl="3" algn="l" rtl="0">
         <a:lnSpc>
           <a:spcPct val="100000"/>
         </a:lnSpc>
@@ -5769,7 +5985,7 @@
           <a:srgbClr val="000000"/>
         </a:buClr>
         <a:buFont typeface="Arial"/>
-        <a:defRPr b="0" i="0" sz="1400" u="none" cap="none" strike="noStrike">
+        <a:defRPr sz="1400" b="0" i="0" u="none" strike="noStrike" cap="none">
           <a:solidFill>
             <a:srgbClr val="000000"/>
           </a:solidFill>
@@ -5779,7 +5995,7 @@
           <a:sym typeface="Arial"/>
         </a:defRPr>
       </a:lvl4pPr>
-      <a:lvl5pPr lvl="4" marR="0" rtl="0" algn="l">
+      <a:lvl5pPr marR="0" lvl="4" algn="l" rtl="0">
         <a:lnSpc>
           <a:spcPct val="100000"/>
         </a:lnSpc>
@@ -5793,7 +6009,7 @@
           <a:srgbClr val="000000"/>
         </a:buClr>
         <a:buFont typeface="Arial"/>
-        <a:defRPr b="0" i="0" sz="1400" u="none" cap="none" strike="noStrike">
+        <a:defRPr sz="1400" b="0" i="0" u="none" strike="noStrike" cap="none">
           <a:solidFill>
             <a:srgbClr val="000000"/>
           </a:solidFill>
@@ -5803,7 +6019,7 @@
           <a:sym typeface="Arial"/>
         </a:defRPr>
       </a:lvl5pPr>
-      <a:lvl6pPr lvl="5" marR="0" rtl="0" algn="l">
+      <a:lvl6pPr marR="0" lvl="5" algn="l" rtl="0">
         <a:lnSpc>
           <a:spcPct val="100000"/>
         </a:lnSpc>
@@ -5817,7 +6033,7 @@
           <a:srgbClr val="000000"/>
         </a:buClr>
         <a:buFont typeface="Arial"/>
-        <a:defRPr b="0" i="0" sz="1400" u="none" cap="none" strike="noStrike">
+        <a:defRPr sz="1400" b="0" i="0" u="none" strike="noStrike" cap="none">
           <a:solidFill>
             <a:srgbClr val="000000"/>
           </a:solidFill>
@@ -5827,7 +6043,7 @@
           <a:sym typeface="Arial"/>
         </a:defRPr>
       </a:lvl6pPr>
-      <a:lvl7pPr lvl="6" marR="0" rtl="0" algn="l">
+      <a:lvl7pPr marR="0" lvl="6" algn="l" rtl="0">
         <a:lnSpc>
           <a:spcPct val="100000"/>
         </a:lnSpc>
@@ -5841,7 +6057,7 @@
           <a:srgbClr val="000000"/>
         </a:buClr>
         <a:buFont typeface="Arial"/>
-        <a:defRPr b="0" i="0" sz="1400" u="none" cap="none" strike="noStrike">
+        <a:defRPr sz="1400" b="0" i="0" u="none" strike="noStrike" cap="none">
           <a:solidFill>
             <a:srgbClr val="000000"/>
           </a:solidFill>
@@ -5851,7 +6067,7 @@
           <a:sym typeface="Arial"/>
         </a:defRPr>
       </a:lvl7pPr>
-      <a:lvl8pPr lvl="7" marR="0" rtl="0" algn="l">
+      <a:lvl8pPr marR="0" lvl="7" algn="l" rtl="0">
         <a:lnSpc>
           <a:spcPct val="100000"/>
         </a:lnSpc>
@@ -5865,7 +6081,7 @@
           <a:srgbClr val="000000"/>
         </a:buClr>
         <a:buFont typeface="Arial"/>
-        <a:defRPr b="0" i="0" sz="1400" u="none" cap="none" strike="noStrike">
+        <a:defRPr sz="1400" b="0" i="0" u="none" strike="noStrike" cap="none">
           <a:solidFill>
             <a:srgbClr val="000000"/>
           </a:solidFill>
@@ -5875,7 +6091,7 @@
           <a:sym typeface="Arial"/>
         </a:defRPr>
       </a:lvl8pPr>
-      <a:lvl9pPr lvl="8" marR="0" rtl="0" algn="l">
+      <a:lvl9pPr marR="0" lvl="8" algn="l" rtl="0">
         <a:lnSpc>
           <a:spcPct val="100000"/>
         </a:lnSpc>
@@ -5889,7 +6105,7 @@
           <a:srgbClr val="000000"/>
         </a:buClr>
         <a:buFont typeface="Arial"/>
-        <a:defRPr b="0" i="0" sz="1400" u="none" cap="none" strike="noStrike">
+        <a:defRPr sz="1400" b="0" i="0" u="none" strike="noStrike" cap="none">
           <a:solidFill>
             <a:srgbClr val="000000"/>
           </a:solidFill>
@@ -5905,11 +6121,11 @@
 </file>
 
 <file path=ppt/slides/slide1.xml><?xml version="1.0" encoding="utf-8"?>
-<p:sld xmlns:a="http://schemas.openxmlformats.org/drawingml/2006/main" xmlns:r="http://schemas.openxmlformats.org/officeDocument/2006/relationships" xmlns:mc="http://schemas.openxmlformats.org/markup-compatibility/2006" xmlns:mv="urn:schemas-microsoft-com:mac:vml" xmlns:p="http://schemas.openxmlformats.org/presentationml/2006/main" xmlns:c="http://schemas.openxmlformats.org/drawingml/2006/chart" xmlns:dgm="http://schemas.openxmlformats.org/drawingml/2006/diagram" xmlns:o="urn:schemas-microsoft-com:office:office" xmlns:v="urn:schemas-microsoft-com:vml" xmlns:pvml="urn:schemas-microsoft-com:office:powerpoint" xmlns:com="http://schemas.openxmlformats.org/drawingml/2006/compatibility" xmlns:p14="http://schemas.microsoft.com/office/powerpoint/2010/main" xmlns:p15="http://schemas.microsoft.com/office/powerpoint/2012/main" xmlns:ahyp="http://schemas.microsoft.com/office/drawing/2018/hyperlinkcolor">
+<p:sld xmlns:a="http://schemas.openxmlformats.org/drawingml/2006/main" xmlns:r="http://schemas.openxmlformats.org/officeDocument/2006/relationships" xmlns:p="http://schemas.openxmlformats.org/presentationml/2006/main">
   <p:cSld>
     <p:spTree>
       <p:nvGrpSpPr>
-        <p:cNvPr id="53" name="Shape 53"/>
+        <p:cNvPr id="1" name="Shape 53"/>
         <p:cNvGrpSpPr/>
         <p:nvPr/>
       </p:nvGrpSpPr>
@@ -5924,7 +6140,9 @@
       <p:sp>
         <p:nvSpPr>
           <p:cNvPr id="54" name="Google Shape;54;p13"/>
-          <p:cNvSpPr txBox="1"/>
+          <p:cNvSpPr txBox="1">
+            <a:spLocks noGrp="1"/>
+          </p:cNvSpPr>
           <p:nvPr>
             <p:ph type="ctrTitle"/>
           </p:nvPr>
@@ -5939,12 +6157,12 @@
           </a:prstGeom>
         </p:spPr>
         <p:txBody>
-          <a:bodyPr anchorCtr="0" anchor="b" bIns="91425" lIns="91425" spcFirstLastPara="1" rIns="91425" wrap="square" tIns="91425">
+          <a:bodyPr spcFirstLastPara="1" wrap="square" lIns="91425" tIns="91425" rIns="91425" bIns="91425" anchor="b" anchorCtr="0">
             <a:normAutofit/>
           </a:bodyPr>
           <a:lstStyle/>
           <a:p>
-            <a:pPr indent="0" lvl="0" marL="0" rtl="0" algn="ctr">
+            <a:pPr marL="0" lvl="0" indent="0" algn="ctr" rtl="0">
               <a:spcBef>
                 <a:spcPts val="0"/>
               </a:spcBef>
@@ -5963,19 +6181,7 @@
                 <a:cs typeface="Caveat"/>
                 <a:sym typeface="Caveat"/>
               </a:rPr>
-              <a:t>Enter</a:t>
-            </a:r>
-            <a:r>
-              <a:rPr lang="en">
-                <a:solidFill>
-                  <a:srgbClr val="FF0000"/>
-                </a:solidFill>
-                <a:latin typeface="Caveat"/>
-                <a:ea typeface="Caveat"/>
-                <a:cs typeface="Caveat"/>
-                <a:sym typeface="Caveat"/>
-              </a:rPr>
-              <a:t>tainment Busters</a:t>
+              <a:t>Entertainment Buster</a:t>
             </a:r>
             <a:endParaRPr>
               <a:solidFill>
@@ -5992,9 +6198,11 @@
       <p:sp>
         <p:nvSpPr>
           <p:cNvPr id="55" name="Google Shape;55;p13"/>
-          <p:cNvSpPr txBox="1"/>
+          <p:cNvSpPr txBox="1">
+            <a:spLocks noGrp="1"/>
+          </p:cNvSpPr>
           <p:nvPr>
-            <p:ph idx="1" type="subTitle"/>
+            <p:ph type="subTitle" idx="1"/>
           </p:nvPr>
         </p:nvSpPr>
         <p:spPr>
@@ -6007,12 +6215,12 @@
           </a:prstGeom>
         </p:spPr>
         <p:txBody>
-          <a:bodyPr anchorCtr="0" anchor="t" bIns="91425" lIns="91425" spcFirstLastPara="1" rIns="91425" wrap="square" tIns="91425">
+          <a:bodyPr spcFirstLastPara="1" wrap="square" lIns="91425" tIns="91425" rIns="91425" bIns="91425" anchor="t" anchorCtr="0">
             <a:normAutofit/>
           </a:bodyPr>
           <a:lstStyle/>
           <a:p>
-            <a:pPr indent="0" lvl="0" marL="0" rtl="0" algn="ctr">
+            <a:pPr marL="0" lvl="0" indent="0" algn="ctr" rtl="0">
               <a:spcBef>
                 <a:spcPts val="0"/>
               </a:spcBef>
@@ -6038,11 +6246,11 @@
 </file>
 
 <file path=ppt/slides/slide2.xml><?xml version="1.0" encoding="utf-8"?>
-<p:sld xmlns:a="http://schemas.openxmlformats.org/drawingml/2006/main" xmlns:r="http://schemas.openxmlformats.org/officeDocument/2006/relationships" xmlns:mc="http://schemas.openxmlformats.org/markup-compatibility/2006" xmlns:mv="urn:schemas-microsoft-com:mac:vml" xmlns:p="http://schemas.openxmlformats.org/presentationml/2006/main" xmlns:c="http://schemas.openxmlformats.org/drawingml/2006/chart" xmlns:dgm="http://schemas.openxmlformats.org/drawingml/2006/diagram" xmlns:o="urn:schemas-microsoft-com:office:office" xmlns:v="urn:schemas-microsoft-com:vml" xmlns:pvml="urn:schemas-microsoft-com:office:powerpoint" xmlns:com="http://schemas.openxmlformats.org/drawingml/2006/compatibility" xmlns:p14="http://schemas.microsoft.com/office/powerpoint/2010/main" xmlns:p15="http://schemas.microsoft.com/office/powerpoint/2012/main" xmlns:ahyp="http://schemas.microsoft.com/office/drawing/2018/hyperlinkcolor">
+<p:sld xmlns:a="http://schemas.openxmlformats.org/drawingml/2006/main" xmlns:r="http://schemas.openxmlformats.org/officeDocument/2006/relationships" xmlns:p="http://schemas.openxmlformats.org/presentationml/2006/main">
   <p:cSld>
     <p:spTree>
       <p:nvGrpSpPr>
-        <p:cNvPr id="59" name="Shape 59"/>
+        <p:cNvPr id="1" name="Shape 59"/>
         <p:cNvGrpSpPr/>
         <p:nvPr/>
       </p:nvGrpSpPr>
@@ -6057,7 +6265,9 @@
       <p:sp>
         <p:nvSpPr>
           <p:cNvPr id="60" name="Google Shape;60;p14"/>
-          <p:cNvSpPr txBox="1"/>
+          <p:cNvSpPr txBox="1">
+            <a:spLocks noGrp="1"/>
+          </p:cNvSpPr>
           <p:nvPr>
             <p:ph type="title"/>
           </p:nvPr>
@@ -6072,12 +6282,12 @@
           </a:prstGeom>
         </p:spPr>
         <p:txBody>
-          <a:bodyPr anchorCtr="0" anchor="t" bIns="91425" lIns="91425" spcFirstLastPara="1" rIns="91425" wrap="square" tIns="91425">
+          <a:bodyPr spcFirstLastPara="1" wrap="square" lIns="91425" tIns="91425" rIns="91425" bIns="91425" anchor="t" anchorCtr="0">
             <a:normAutofit fontScale="90000"/>
           </a:bodyPr>
           <a:lstStyle/>
           <a:p>
-            <a:pPr indent="0" lvl="0" marL="0" rtl="0" algn="l">
+            <a:pPr marL="0" lvl="0" indent="0" algn="l" rtl="0">
               <a:spcBef>
                 <a:spcPts val="0"/>
               </a:spcBef>
@@ -6097,9 +6307,11 @@
       <p:sp>
         <p:nvSpPr>
           <p:cNvPr id="61" name="Google Shape;61;p14"/>
-          <p:cNvSpPr txBox="1"/>
+          <p:cNvSpPr txBox="1">
+            <a:spLocks noGrp="1"/>
+          </p:cNvSpPr>
           <p:nvPr>
-            <p:ph idx="1" type="body"/>
+            <p:ph type="body" idx="1"/>
           </p:nvPr>
         </p:nvSpPr>
         <p:spPr>
@@ -6112,12 +6324,12 @@
           </a:prstGeom>
         </p:spPr>
         <p:txBody>
-          <a:bodyPr anchorCtr="0" anchor="t" bIns="91425" lIns="91425" spcFirstLastPara="1" rIns="91425" wrap="square" tIns="91425">
+          <a:bodyPr spcFirstLastPara="1" wrap="square" lIns="91425" tIns="91425" rIns="91425" bIns="91425" anchor="t" anchorCtr="0">
             <a:normAutofit/>
           </a:bodyPr>
           <a:lstStyle/>
           <a:p>
-            <a:pPr indent="0" lvl="0" marL="0" rtl="0" algn="l">
+            <a:pPr marL="0" lvl="0" indent="0" algn="l" rtl="0">
               <a:spcBef>
                 <a:spcPts val="0"/>
               </a:spcBef>
@@ -6133,7 +6345,7 @@
             <a:endParaRPr/>
           </a:p>
           <a:p>
-            <a:pPr indent="0" lvl="0" marL="0" rtl="0" algn="l">
+            <a:pPr marL="0" lvl="0" indent="0" algn="l" rtl="0">
               <a:spcBef>
                 <a:spcPts val="1200"/>
               </a:spcBef>
@@ -6149,7 +6361,7 @@
             <a:endParaRPr/>
           </a:p>
           <a:p>
-            <a:pPr indent="0" lvl="0" marL="0" rtl="0" algn="l">
+            <a:pPr marL="0" lvl="0" indent="0" algn="l" rtl="0">
               <a:spcBef>
                 <a:spcPts val="1200"/>
               </a:spcBef>
@@ -6165,7 +6377,7 @@
             <a:endParaRPr/>
           </a:p>
           <a:p>
-            <a:pPr indent="0" lvl="0" marL="0" rtl="0" algn="l">
+            <a:pPr marL="0" lvl="0" indent="0" algn="l" rtl="0">
               <a:spcBef>
                 <a:spcPts val="1200"/>
               </a:spcBef>
@@ -6191,11 +6403,11 @@
 </file>
 
 <file path=ppt/slides/slide3.xml><?xml version="1.0" encoding="utf-8"?>
-<p:sld xmlns:a="http://schemas.openxmlformats.org/drawingml/2006/main" xmlns:r="http://schemas.openxmlformats.org/officeDocument/2006/relationships" xmlns:mc="http://schemas.openxmlformats.org/markup-compatibility/2006" xmlns:mv="urn:schemas-microsoft-com:mac:vml" xmlns:p="http://schemas.openxmlformats.org/presentationml/2006/main" xmlns:c="http://schemas.openxmlformats.org/drawingml/2006/chart" xmlns:dgm="http://schemas.openxmlformats.org/drawingml/2006/diagram" xmlns:o="urn:schemas-microsoft-com:office:office" xmlns:v="urn:schemas-microsoft-com:vml" xmlns:pvml="urn:schemas-microsoft-com:office:powerpoint" xmlns:com="http://schemas.openxmlformats.org/drawingml/2006/compatibility" xmlns:p14="http://schemas.microsoft.com/office/powerpoint/2010/main" xmlns:p15="http://schemas.microsoft.com/office/powerpoint/2012/main" xmlns:ahyp="http://schemas.microsoft.com/office/drawing/2018/hyperlinkcolor">
+<p:sld xmlns:a="http://schemas.openxmlformats.org/drawingml/2006/main" xmlns:r="http://schemas.openxmlformats.org/officeDocument/2006/relationships" xmlns:p="http://schemas.openxmlformats.org/presentationml/2006/main">
   <p:cSld>
     <p:spTree>
       <p:nvGrpSpPr>
-        <p:cNvPr id="65" name="Shape 65"/>
+        <p:cNvPr id="1" name="Shape 65"/>
         <p:cNvGrpSpPr/>
         <p:nvPr/>
       </p:nvGrpSpPr>
@@ -6210,7 +6422,9 @@
       <p:sp>
         <p:nvSpPr>
           <p:cNvPr id="66" name="Google Shape;66;p15"/>
-          <p:cNvSpPr txBox="1"/>
+          <p:cNvSpPr txBox="1">
+            <a:spLocks noGrp="1"/>
+          </p:cNvSpPr>
           <p:nvPr>
             <p:ph type="title"/>
           </p:nvPr>
@@ -6225,12 +6439,12 @@
           </a:prstGeom>
         </p:spPr>
         <p:txBody>
-          <a:bodyPr anchorCtr="0" anchor="t" bIns="91425" lIns="91425" spcFirstLastPara="1" rIns="91425" wrap="square" tIns="91425">
+          <a:bodyPr spcFirstLastPara="1" wrap="square" lIns="91425" tIns="91425" rIns="91425" bIns="91425" anchor="t" anchorCtr="0">
             <a:normAutofit fontScale="90000"/>
           </a:bodyPr>
           <a:lstStyle/>
           <a:p>
-            <a:pPr indent="0" lvl="0" marL="0" rtl="0" algn="l">
+            <a:pPr marL="0" lvl="0" indent="0" algn="l" rtl="0">
               <a:lnSpc>
                 <a:spcPct val="115000"/>
               </a:lnSpc>
@@ -6257,9 +6471,11 @@
       <p:sp>
         <p:nvSpPr>
           <p:cNvPr id="67" name="Google Shape;67;p15"/>
-          <p:cNvSpPr txBox="1"/>
+          <p:cNvSpPr txBox="1">
+            <a:spLocks noGrp="1"/>
+          </p:cNvSpPr>
           <p:nvPr>
-            <p:ph idx="1" type="body"/>
+            <p:ph type="body" idx="1"/>
           </p:nvPr>
         </p:nvSpPr>
         <p:spPr>
@@ -6272,12 +6488,12 @@
           </a:prstGeom>
         </p:spPr>
         <p:txBody>
-          <a:bodyPr anchorCtr="0" anchor="t" bIns="91425" lIns="91425" spcFirstLastPara="1" rIns="91425" wrap="square" tIns="91425">
+          <a:bodyPr spcFirstLastPara="1" wrap="square" lIns="91425" tIns="91425" rIns="91425" bIns="91425" anchor="t" anchorCtr="0">
             <a:normAutofit lnSpcReduction="10000"/>
           </a:bodyPr>
           <a:lstStyle/>
           <a:p>
-            <a:pPr indent="-342900" lvl="0" marL="457200" rtl="0" algn="l">
+            <a:pPr marL="457200" lvl="0" indent="-342900" algn="l" rtl="0">
               <a:spcBef>
                 <a:spcPts val="0"/>
               </a:spcBef>
@@ -6294,7 +6510,7 @@
             <a:endParaRPr/>
           </a:p>
           <a:p>
-            <a:pPr indent="-342900" lvl="0" marL="457200" rtl="0" algn="l">
+            <a:pPr marL="457200" lvl="0" indent="-342900" algn="l" rtl="0">
               <a:spcBef>
                 <a:spcPts val="0"/>
               </a:spcBef>
@@ -6311,7 +6527,7 @@
             <a:endParaRPr/>
           </a:p>
           <a:p>
-            <a:pPr indent="-342900" lvl="0" marL="457200" rtl="0" algn="l">
+            <a:pPr marL="457200" lvl="0" indent="-342900" algn="l" rtl="0">
               <a:spcBef>
                 <a:spcPts val="0"/>
               </a:spcBef>
@@ -6328,7 +6544,7 @@
             <a:endParaRPr/>
           </a:p>
           <a:p>
-            <a:pPr indent="-342900" lvl="0" marL="457200" rtl="0" algn="l">
+            <a:pPr marL="457200" lvl="0" indent="-342900" algn="l" rtl="0">
               <a:spcBef>
                 <a:spcPts val="0"/>
               </a:spcBef>
@@ -6340,16 +6556,12 @@
             </a:pPr>
             <a:r>
               <a:rPr lang="en"/>
-              <a:t>Display</a:t>
-            </a:r>
-            <a:r>
-              <a:rPr lang="en"/>
-              <a:t> bar graph of average IMDb ratings by Genre of Netflix TV Shows</a:t>
+              <a:t>Display bar graph of average IMDb ratings by Genre of Netflix TV Shows</a:t>
             </a:r>
             <a:endParaRPr/>
           </a:p>
           <a:p>
-            <a:pPr indent="-342900" lvl="0" marL="457200" rtl="0" algn="l">
+            <a:pPr marL="457200" lvl="0" indent="-342900" algn="l" rtl="0">
               <a:spcBef>
                 <a:spcPts val="0"/>
               </a:spcBef>
@@ -6366,7 +6578,7 @@
             <a:endParaRPr/>
           </a:p>
           <a:p>
-            <a:pPr indent="-342900" lvl="0" marL="457200" rtl="0" algn="l">
+            <a:pPr marL="457200" lvl="0" indent="-342900" algn="l" rtl="0">
               <a:spcBef>
                 <a:spcPts val="0"/>
               </a:spcBef>
@@ -6383,7 +6595,7 @@
             <a:endParaRPr/>
           </a:p>
           <a:p>
-            <a:pPr indent="-342900" lvl="0" marL="457200" rtl="0" algn="l">
+            <a:pPr marL="457200" lvl="0" indent="-342900" algn="l" rtl="0">
               <a:spcBef>
                 <a:spcPts val="0"/>
               </a:spcBef>
@@ -6400,7 +6612,7 @@
             <a:endParaRPr/>
           </a:p>
           <a:p>
-            <a:pPr indent="-342900" lvl="0" marL="457200" rtl="0" algn="l">
+            <a:pPr marL="457200" lvl="0" indent="-342900" algn="l" rtl="0">
               <a:spcBef>
                 <a:spcPts val="0"/>
               </a:spcBef>
@@ -6427,11 +6639,106 @@
 </file>
 
 <file path=ppt/slides/slide4.xml><?xml version="1.0" encoding="utf-8"?>
-<p:sld xmlns:a="http://schemas.openxmlformats.org/drawingml/2006/main" xmlns:r="http://schemas.openxmlformats.org/officeDocument/2006/relationships" xmlns:mc="http://schemas.openxmlformats.org/markup-compatibility/2006" xmlns:mv="urn:schemas-microsoft-com:mac:vml" xmlns:p="http://schemas.openxmlformats.org/presentationml/2006/main" xmlns:c="http://schemas.openxmlformats.org/drawingml/2006/chart" xmlns:dgm="http://schemas.openxmlformats.org/drawingml/2006/diagram" xmlns:o="urn:schemas-microsoft-com:office:office" xmlns:v="urn:schemas-microsoft-com:vml" xmlns:pvml="urn:schemas-microsoft-com:office:powerpoint" xmlns:com="http://schemas.openxmlformats.org/drawingml/2006/compatibility" xmlns:p14="http://schemas.microsoft.com/office/powerpoint/2010/main" xmlns:p15="http://schemas.microsoft.com/office/powerpoint/2012/main" xmlns:ahyp="http://schemas.microsoft.com/office/drawing/2018/hyperlinkcolor">
+<p:sld xmlns:a="http://schemas.openxmlformats.org/drawingml/2006/main" xmlns:r="http://schemas.openxmlformats.org/officeDocument/2006/relationships" xmlns:p="http://schemas.openxmlformats.org/presentationml/2006/main">
   <p:cSld>
     <p:spTree>
       <p:nvGrpSpPr>
-        <p:cNvPr id="71" name="Shape 71"/>
+        <p:cNvPr id="1" name=""/>
+        <p:cNvGrpSpPr/>
+        <p:nvPr/>
+      </p:nvGrpSpPr>
+      <p:grpSpPr>
+        <a:xfrm>
+          <a:off x="0" y="0"/>
+          <a:ext cx="0" cy="0"/>
+          <a:chOff x="0" y="0"/>
+          <a:chExt cx="0" cy="0"/>
+        </a:xfrm>
+      </p:grpSpPr>
+      <p:sp>
+        <p:nvSpPr>
+          <p:cNvPr id="2" name="Title 1">
+            <a:extLst>
+              <a:ext uri="{FF2B5EF4-FFF2-40B4-BE49-F238E27FC236}">
+                <a16:creationId xmlns:a16="http://schemas.microsoft.com/office/drawing/2014/main" id="{60B179F0-783A-454F-B346-9F5ED5A9EFB7}"/>
+              </a:ext>
+            </a:extLst>
+          </p:cNvPr>
+          <p:cNvSpPr>
+            <a:spLocks noGrp="1"/>
+          </p:cNvSpPr>
+          <p:nvPr>
+            <p:ph type="title"/>
+          </p:nvPr>
+        </p:nvSpPr>
+        <p:spPr>
+          <a:xfrm>
+            <a:off x="311700" y="160212"/>
+            <a:ext cx="8520600" cy="488685"/>
+          </a:xfrm>
+        </p:spPr>
+        <p:txBody>
+          <a:bodyPr>
+            <a:normAutofit fontScale="90000"/>
+          </a:bodyPr>
+          <a:lstStyle/>
+          <a:p>
+            <a:r>
+              <a:rPr lang="en-US" dirty="0"/>
+              <a:t>Dashboard Preview:</a:t>
+            </a:r>
+          </a:p>
+        </p:txBody>
+      </p:sp>
+      <p:pic>
+        <p:nvPicPr>
+          <p:cNvPr id="5" name="Picture 4">
+            <a:extLst>
+              <a:ext uri="{FF2B5EF4-FFF2-40B4-BE49-F238E27FC236}">
+                <a16:creationId xmlns:a16="http://schemas.microsoft.com/office/drawing/2014/main" id="{17958706-AD74-41C0-9845-6C7D2B4B35FC}"/>
+              </a:ext>
+            </a:extLst>
+          </p:cNvPr>
+          <p:cNvPicPr>
+            <a:picLocks noChangeAspect="1"/>
+          </p:cNvPicPr>
+          <p:nvPr/>
+        </p:nvPicPr>
+        <p:blipFill>
+          <a:blip r:embed="rId2"/>
+          <a:stretch>
+            <a:fillRect/>
+          </a:stretch>
+        </p:blipFill>
+        <p:spPr>
+          <a:xfrm>
+            <a:off x="2584263" y="801295"/>
+            <a:ext cx="4266241" cy="3998238"/>
+          </a:xfrm>
+          <a:prstGeom prst="rect">
+            <a:avLst/>
+          </a:prstGeom>
+        </p:spPr>
+      </p:pic>
+    </p:spTree>
+    <p:extLst>
+      <p:ext uri="{BB962C8B-B14F-4D97-AF65-F5344CB8AC3E}">
+        <p14:creationId xmlns:p14="http://schemas.microsoft.com/office/powerpoint/2010/main" val="1877941445"/>
+      </p:ext>
+    </p:extLst>
+  </p:cSld>
+  <p:clrMapOvr>
+    <a:masterClrMapping/>
+  </p:clrMapOvr>
+</p:sld>
+</file>
+
+<file path=ppt/slides/slide5.xml><?xml version="1.0" encoding="utf-8"?>
+<p:sld xmlns:a="http://schemas.openxmlformats.org/drawingml/2006/main" xmlns:r="http://schemas.openxmlformats.org/officeDocument/2006/relationships" xmlns:p="http://schemas.openxmlformats.org/presentationml/2006/main">
+  <p:cSld>
+    <p:spTree>
+      <p:nvGrpSpPr>
+        <p:cNvPr id="1" name="Shape 71"/>
         <p:cNvGrpSpPr/>
         <p:nvPr/>
       </p:nvGrpSpPr>
@@ -6446,7 +6753,9 @@
       <p:sp>
         <p:nvSpPr>
           <p:cNvPr id="72" name="Google Shape;72;p16"/>
-          <p:cNvSpPr txBox="1"/>
+          <p:cNvSpPr txBox="1">
+            <a:spLocks noGrp="1"/>
+          </p:cNvSpPr>
           <p:nvPr>
             <p:ph type="title"/>
           </p:nvPr>
@@ -6461,12 +6770,12 @@
           </a:prstGeom>
         </p:spPr>
         <p:txBody>
-          <a:bodyPr anchorCtr="0" anchor="t" bIns="91425" lIns="91425" spcFirstLastPara="1" rIns="91425" wrap="square" tIns="91425">
+          <a:bodyPr spcFirstLastPara="1" wrap="square" lIns="91425" tIns="91425" rIns="91425" bIns="91425" anchor="t" anchorCtr="0">
             <a:normAutofit fontScale="90000"/>
           </a:bodyPr>
           <a:lstStyle/>
           <a:p>
-            <a:pPr indent="0" lvl="0" marL="0" rtl="0" algn="l">
+            <a:pPr marL="0" lvl="0" indent="0" algn="l" rtl="0">
               <a:lnSpc>
                 <a:spcPct val="115000"/>
               </a:lnSpc>
@@ -6493,7 +6802,7 @@
             </a:endParaRPr>
           </a:p>
           <a:p>
-            <a:pPr indent="0" lvl="0" marL="0" rtl="0" algn="l">
+            <a:pPr marL="0" lvl="0" indent="0" algn="l" rtl="0">
               <a:spcBef>
                 <a:spcPts val="1200"/>
               </a:spcBef>
@@ -6502,9 +6811,6 @@
               </a:spcAft>
               <a:buNone/>
             </a:pPr>
-            <a:r>
-              <a:t/>
-            </a:r>
             <a:endParaRPr/>
           </a:p>
         </p:txBody>
@@ -6512,9 +6818,11 @@
       <p:sp>
         <p:nvSpPr>
           <p:cNvPr id="73" name="Google Shape;73;p16"/>
-          <p:cNvSpPr txBox="1"/>
+          <p:cNvSpPr txBox="1">
+            <a:spLocks noGrp="1"/>
+          </p:cNvSpPr>
           <p:nvPr>
-            <p:ph idx="1" type="body"/>
+            <p:ph type="body" idx="1"/>
           </p:nvPr>
         </p:nvSpPr>
         <p:spPr>
@@ -6527,12 +6835,12 @@
           </a:prstGeom>
         </p:spPr>
         <p:txBody>
-          <a:bodyPr anchorCtr="0" anchor="t" bIns="91425" lIns="91425" spcFirstLastPara="1" rIns="91425" wrap="square" tIns="91425">
+          <a:bodyPr spcFirstLastPara="1" wrap="square" lIns="91425" tIns="91425" rIns="91425" bIns="91425" anchor="t" anchorCtr="0">
             <a:normAutofit/>
           </a:bodyPr>
           <a:lstStyle/>
           <a:p>
-            <a:pPr indent="0" lvl="0" marL="0" rtl="0" algn="l">
+            <a:pPr marL="0" lvl="0" indent="0" algn="l" rtl="0">
               <a:spcBef>
                 <a:spcPts val="0"/>
               </a:spcBef>
@@ -6543,12 +6851,12 @@
             </a:pPr>
             <a:r>
               <a:rPr lang="en"/>
-              <a:t>Tools used:</a:t>
+              <a:t>Tool(s) used:</a:t>
             </a:r>
-            <a:endParaRPr/>
+            <a:endParaRPr dirty="0"/>
           </a:p>
           <a:p>
-            <a:pPr indent="-342900" lvl="0" marL="457200" rtl="0" algn="l">
+            <a:pPr marL="457200" lvl="0" indent="-342900" algn="l" rtl="0">
               <a:spcBef>
                 <a:spcPts val="1200"/>
               </a:spcBef>
@@ -6559,10 +6867,10 @@
               <a:buChar char="-"/>
             </a:pPr>
             <a:r>
-              <a:rPr lang="en"/>
+              <a:rPr lang="en" dirty="0"/>
               <a:t>Tableau </a:t>
             </a:r>
-            <a:endParaRPr/>
+            <a:endParaRPr dirty="0"/>
           </a:p>
         </p:txBody>
       </p:sp>
@@ -6602,12 +6910,12 @@
 </p:sld>
 </file>
 
-<file path=ppt/slides/slide5.xml><?xml version="1.0" encoding="utf-8"?>
-<p:sld xmlns:a="http://schemas.openxmlformats.org/drawingml/2006/main" xmlns:r="http://schemas.openxmlformats.org/officeDocument/2006/relationships" xmlns:mc="http://schemas.openxmlformats.org/markup-compatibility/2006" xmlns:mv="urn:schemas-microsoft-com:mac:vml" xmlns:p="http://schemas.openxmlformats.org/presentationml/2006/main" xmlns:c="http://schemas.openxmlformats.org/drawingml/2006/chart" xmlns:dgm="http://schemas.openxmlformats.org/drawingml/2006/diagram" xmlns:o="urn:schemas-microsoft-com:office:office" xmlns:v="urn:schemas-microsoft-com:vml" xmlns:pvml="urn:schemas-microsoft-com:office:powerpoint" xmlns:com="http://schemas.openxmlformats.org/drawingml/2006/compatibility" xmlns:p14="http://schemas.microsoft.com/office/powerpoint/2010/main" xmlns:p15="http://schemas.microsoft.com/office/powerpoint/2012/main" xmlns:ahyp="http://schemas.microsoft.com/office/drawing/2018/hyperlinkcolor">
+<file path=ppt/slides/slide6.xml><?xml version="1.0" encoding="utf-8"?>
+<p:sld xmlns:a="http://schemas.openxmlformats.org/drawingml/2006/main" xmlns:r="http://schemas.openxmlformats.org/officeDocument/2006/relationships" xmlns:p="http://schemas.openxmlformats.org/presentationml/2006/main">
   <p:cSld>
     <p:spTree>
       <p:nvGrpSpPr>
-        <p:cNvPr id="78" name="Shape 78"/>
+        <p:cNvPr id="1" name="Shape 78"/>
         <p:cNvGrpSpPr/>
         <p:nvPr/>
       </p:nvGrpSpPr>
@@ -6622,7 +6930,9 @@
       <p:sp>
         <p:nvSpPr>
           <p:cNvPr id="79" name="Google Shape;79;p17"/>
-          <p:cNvSpPr txBox="1"/>
+          <p:cNvSpPr txBox="1">
+            <a:spLocks noGrp="1"/>
+          </p:cNvSpPr>
           <p:nvPr>
             <p:ph type="title"/>
           </p:nvPr>
@@ -6637,12 +6947,12 @@
           </a:prstGeom>
         </p:spPr>
         <p:txBody>
-          <a:bodyPr anchorCtr="0" anchor="t" bIns="91425" lIns="91425" spcFirstLastPara="1" rIns="91425" wrap="square" tIns="91425">
+          <a:bodyPr spcFirstLastPara="1" wrap="square" lIns="91425" tIns="91425" rIns="91425" bIns="91425" anchor="t" anchorCtr="0">
             <a:normAutofit fontScale="90000"/>
           </a:bodyPr>
           <a:lstStyle/>
           <a:p>
-            <a:pPr indent="0" lvl="0" marL="0" rtl="0" algn="l">
+            <a:pPr marL="0" lvl="0" indent="0" algn="l" rtl="0">
               <a:lnSpc>
                 <a:spcPct val="115000"/>
               </a:lnSpc>
@@ -6669,9 +6979,11 @@
       <p:sp>
         <p:nvSpPr>
           <p:cNvPr id="80" name="Google Shape;80;p17"/>
-          <p:cNvSpPr txBox="1"/>
+          <p:cNvSpPr txBox="1">
+            <a:spLocks noGrp="1"/>
+          </p:cNvSpPr>
           <p:nvPr>
-            <p:ph idx="1" type="body"/>
+            <p:ph type="body" idx="1"/>
           </p:nvPr>
         </p:nvSpPr>
         <p:spPr>
@@ -6684,12 +6996,12 @@
           </a:prstGeom>
         </p:spPr>
         <p:txBody>
-          <a:bodyPr anchorCtr="0" anchor="t" bIns="91425" lIns="91425" spcFirstLastPara="1" rIns="91425" wrap="square" tIns="91425">
+          <a:bodyPr spcFirstLastPara="1" wrap="square" lIns="91425" tIns="91425" rIns="91425" bIns="91425" anchor="t" anchorCtr="0">
             <a:normAutofit/>
           </a:bodyPr>
           <a:lstStyle/>
           <a:p>
-            <a:pPr indent="0" lvl="0" marL="0" rtl="0" algn="l">
+            <a:pPr marL="0" lvl="0" indent="0" algn="l" rtl="0">
               <a:spcBef>
                 <a:spcPts val="0"/>
               </a:spcBef>
@@ -6705,7 +7017,7 @@
             <a:endParaRPr/>
           </a:p>
           <a:p>
-            <a:pPr indent="-342900" lvl="0" marL="457200" rtl="0" algn="l">
+            <a:pPr marL="457200" lvl="0" indent="-342900" algn="l" rtl="0">
               <a:spcBef>
                 <a:spcPts val="1200"/>
               </a:spcBef>
@@ -6722,7 +7034,7 @@
             <a:endParaRPr/>
           </a:p>
           <a:p>
-            <a:pPr indent="-342900" lvl="0" marL="457200" rtl="0" algn="l">
+            <a:pPr marL="457200" lvl="0" indent="-342900" algn="l" rtl="0">
               <a:spcBef>
                 <a:spcPts val="0"/>
               </a:spcBef>
@@ -6734,11 +7046,7 @@
             </a:pPr>
             <a:r>
               <a:rPr lang="en"/>
-              <a:t>A slider to change a range of years for the “Year Added” and a filter on the world map to filter by </a:t>
-            </a:r>
-            <a:r>
-              <a:rPr lang="en"/>
-              <a:t>country. These interactive element will help the audience focus on specific data insights.</a:t>
+              <a:t>A slider to change a range of years for the “Year Added” and a filter on the world map to filter by country. These interactive element will help the audience focus on specific data insights.</a:t>
             </a:r>
             <a:endParaRPr/>
           </a:p>
@@ -6753,7 +7061,7 @@
 </file>
 
 <file path=ppt/theme/theme1.xml><?xml version="1.0" encoding="utf-8"?>
-<a:theme xmlns:a="http://schemas.openxmlformats.org/drawingml/2006/main" xmlns:r="http://schemas.openxmlformats.org/officeDocument/2006/relationships" name="Simple Dark">
+<a:theme xmlns:a="http://schemas.openxmlformats.org/drawingml/2006/main" name="Simple Dark">
   <a:themeElements>
     <a:clrScheme name="Simple Dark">
       <a:dk1>
@@ -7028,11 +7336,13 @@
       </a:bgFillStyleLst>
     </a:fmtScheme>
   </a:themeElements>
+  <a:objectDefaults/>
+  <a:extraClrSchemeLst/>
 </a:theme>
 </file>
 
 <file path=ppt/theme/theme2.xml><?xml version="1.0" encoding="utf-8"?>
-<a:theme xmlns:a="http://schemas.openxmlformats.org/drawingml/2006/main" xmlns:r="http://schemas.openxmlformats.org/officeDocument/2006/relationships">
+<a:theme xmlns:a="http://schemas.openxmlformats.org/drawingml/2006/main">
   <a:themeElements>
     <a:clrScheme name="Default">
       <a:dk1>
@@ -7307,5 +7617,7 @@
       </a:bgFillStyleLst>
     </a:fmtScheme>
   </a:themeElements>
+  <a:objectDefaults/>
+  <a:extraClrSchemeLst/>
 </a:theme>
 </file>